--- a/编程入门之循环、数组、结构体.pptx
+++ b/编程入门之循环、数组、结构体.pptx
@@ -32,7 +32,7 @@
     <p:sldId id="277" r:id="rId23"/>
     <p:sldId id="260" r:id="rId24"/>
   </p:sldIdLst>
-  <p:sldSz cx="9144000" cy="5715000" type="screen16x10"/>
+  <p:sldSz cx="9144000" cy="5143500" type="screen16x9"/>
   <p:notesSz cx="6858000" cy="9144000"/>
   <p:defaultTextStyle>
     <a:defPPr>
@@ -214,7 +214,7 @@
           <a:p>
             <a:fld id="{AC9E3851-FE80-4663-968C-17564B4283FC}" type="datetimeFigureOut">
               <a:rPr lang="zh-CN" altLang="en-US" smtClean="0"/>
-              <a:t>2018/2/10</a:t>
+              <a:t>2018/6/20</a:t>
             </a:fld>
             <a:endParaRPr lang="zh-CN" altLang="en-US"/>
           </a:p>
@@ -232,8 +232,8 @@
         </p:nvSpPr>
         <p:spPr>
           <a:xfrm>
-            <a:off x="685800" y="685800"/>
-            <a:ext cx="5486400" cy="3429000"/>
+            <a:off x="381000" y="685800"/>
+            <a:ext cx="6096000" cy="3429000"/>
           </a:xfrm>
           <a:prstGeom prst="rect">
             <a:avLst/>
@@ -509,7 +509,12 @@
             <p:ph type="sldImg"/>
           </p:nvPr>
         </p:nvSpPr>
-        <p:spPr/>
+        <p:spPr>
+          <a:xfrm>
+            <a:off x="381000" y="685800"/>
+            <a:ext cx="6096000" cy="3429000"/>
+          </a:xfrm>
+        </p:spPr>
       </p:sp>
       <p:sp>
         <p:nvSpPr>
@@ -593,7 +598,12 @@
             <p:ph type="sldImg"/>
           </p:nvPr>
         </p:nvSpPr>
-        <p:spPr/>
+        <p:spPr>
+          <a:xfrm>
+            <a:off x="381000" y="685800"/>
+            <a:ext cx="6096000" cy="3429000"/>
+          </a:xfrm>
+        </p:spPr>
       </p:sp>
       <p:sp>
         <p:nvSpPr>
@@ -1303,7 +1313,12 @@
             <p:ph type="sldImg"/>
           </p:nvPr>
         </p:nvSpPr>
-        <p:spPr/>
+        <p:spPr>
+          <a:xfrm>
+            <a:off x="381000" y="685800"/>
+            <a:ext cx="6096000" cy="3429000"/>
+          </a:xfrm>
+        </p:spPr>
       </p:sp>
       <p:sp>
         <p:nvSpPr>
@@ -1387,7 +1402,12 @@
             <p:ph type="sldImg"/>
           </p:nvPr>
         </p:nvSpPr>
-        <p:spPr/>
+        <p:spPr>
+          <a:xfrm>
+            <a:off x="381000" y="685800"/>
+            <a:ext cx="6096000" cy="3429000"/>
+          </a:xfrm>
+        </p:spPr>
       </p:sp>
       <p:sp>
         <p:nvSpPr>
@@ -2595,7 +2615,12 @@
             <p:ph type="sldImg"/>
           </p:nvPr>
         </p:nvSpPr>
-        <p:spPr/>
+        <p:spPr>
+          <a:xfrm>
+            <a:off x="381000" y="685800"/>
+            <a:ext cx="6096000" cy="3429000"/>
+          </a:xfrm>
+        </p:spPr>
       </p:sp>
       <p:sp>
         <p:nvSpPr>
@@ -2679,7 +2704,12 @@
             <p:ph type="sldImg"/>
           </p:nvPr>
         </p:nvSpPr>
-        <p:spPr/>
+        <p:spPr>
+          <a:xfrm>
+            <a:off x="381000" y="685800"/>
+            <a:ext cx="6096000" cy="3429000"/>
+          </a:xfrm>
+        </p:spPr>
       </p:sp>
       <p:sp>
         <p:nvSpPr>
@@ -3843,7 +3873,7 @@
         <p:grpSpPr>
           <a:xfrm>
             <a:off x="-382404" y="0"/>
-            <a:ext cx="9932332" cy="5715000"/>
+            <a:ext cx="9932332" cy="5143500"/>
             <a:chOff x="-382404" y="0"/>
             <a:chExt cx="9932332" cy="6858000"/>
           </a:xfrm>
@@ -6307,8 +6337,8 @@
         </p:nvSpPr>
         <p:spPr>
           <a:xfrm>
-            <a:off x="4561242" y="-17926"/>
-            <a:ext cx="3679116" cy="5226533"/>
+            <a:off x="4561242" y="-16133"/>
+            <a:ext cx="3679116" cy="4703880"/>
           </a:xfrm>
           <a:prstGeom prst="rect">
             <a:avLst/>
@@ -6357,8 +6387,8 @@
         </p:nvSpPr>
         <p:spPr>
           <a:xfrm>
-            <a:off x="4649096" y="-17926"/>
-            <a:ext cx="3505200" cy="1927408"/>
+            <a:off x="4649096" y="-16133"/>
+            <a:ext cx="3505200" cy="1734667"/>
           </a:xfrm>
           <a:prstGeom prst="rect">
             <a:avLst/>
@@ -6407,8 +6437,8 @@
         </p:nvSpPr>
         <p:spPr>
           <a:xfrm>
-            <a:off x="4733366" y="2257063"/>
-            <a:ext cx="3313355" cy="1418467"/>
+            <a:off x="4733367" y="2031357"/>
+            <a:ext cx="3313355" cy="1276620"/>
           </a:xfrm>
         </p:spPr>
         <p:txBody>
@@ -6441,8 +6471,8 @@
         </p:nvSpPr>
         <p:spPr>
           <a:xfrm>
-            <a:off x="4733366" y="3684234"/>
-            <a:ext cx="3309803" cy="1050524"/>
+            <a:off x="4733367" y="3315810"/>
+            <a:ext cx="3309803" cy="945472"/>
           </a:xfrm>
         </p:spPr>
         <p:txBody>
@@ -6560,8 +6590,8 @@
         </p:nvSpPr>
         <p:spPr>
           <a:xfrm>
-            <a:off x="4738744" y="1264024"/>
-            <a:ext cx="2133600" cy="625818"/>
+            <a:off x="4738744" y="1137622"/>
+            <a:ext cx="2133600" cy="563236"/>
           </a:xfrm>
         </p:spPr>
         <p:txBody>
@@ -6575,7 +6605,7 @@
             <a:fld id="{0A98AF03-7270-45C2-A683-C5E353EF01A5}" type="datetime4">
               <a:rPr lang="en-US" smtClean="0"/>
               <a:pPr/>
-              <a:t>February 10, 2018</a:t>
+              <a:t>June 20, 2018</a:t>
             </a:fld>
             <a:endParaRPr lang="en-US" dirty="0"/>
           </a:p>
@@ -6589,8 +6619,8 @@
         </p:nvSpPr>
         <p:spPr>
           <a:xfrm>
-            <a:off x="4650889" y="5073570"/>
-            <a:ext cx="3505200" cy="68117"/>
+            <a:off x="4650889" y="4566214"/>
+            <a:ext cx="3505200" cy="61305"/>
           </a:xfrm>
           <a:prstGeom prst="rect">
             <a:avLst/>
@@ -6639,8 +6669,8 @@
         </p:nvSpPr>
         <p:spPr>
           <a:xfrm>
-            <a:off x="5303520" y="4766639"/>
-            <a:ext cx="2831592" cy="304271"/>
+            <a:off x="5303520" y="4289976"/>
+            <a:ext cx="2831592" cy="273844"/>
           </a:xfrm>
         </p:spPr>
         <p:txBody>
@@ -6673,8 +6703,8 @@
         </p:nvSpPr>
         <p:spPr>
           <a:xfrm>
-            <a:off x="4649096" y="4766639"/>
-            <a:ext cx="643666" cy="304271"/>
+            <a:off x="4649096" y="4289976"/>
+            <a:ext cx="643666" cy="273844"/>
           </a:xfrm>
         </p:spPr>
         <p:txBody>
@@ -6706,8 +6736,8 @@
         </p:nvSpPr>
         <p:spPr>
           <a:xfrm>
-            <a:off x="4650889" y="5073570"/>
-            <a:ext cx="3505200" cy="68117"/>
+            <a:off x="4650889" y="4566214"/>
+            <a:ext cx="3505200" cy="61305"/>
           </a:xfrm>
           <a:prstGeom prst="rect">
             <a:avLst/>
@@ -6862,7 +6892,7 @@
             <a:fld id="{A2FB5AFD-D735-4504-A039-ADEBB6448D55}" type="datetime4">
               <a:rPr lang="en-US" smtClean="0"/>
               <a:pPr/>
-              <a:t>February 10, 2018</a:t>
+              <a:t>June 20, 2018</a:t>
             </a:fld>
             <a:endParaRPr lang="en-US"/>
           </a:p>
@@ -6948,8 +6978,8 @@
         </p:nvSpPr>
         <p:spPr>
           <a:xfrm>
-            <a:off x="6629401" y="858456"/>
-            <a:ext cx="1484453" cy="3983620"/>
+            <a:off x="6629402" y="772610"/>
+            <a:ext cx="1484453" cy="3585258"/>
           </a:xfrm>
         </p:spPr>
         <p:txBody>
@@ -6976,8 +7006,8 @@
         </p:nvSpPr>
         <p:spPr>
           <a:xfrm>
-            <a:off x="1053296" y="858456"/>
-            <a:ext cx="5423704" cy="3983620"/>
+            <a:off x="1053296" y="772610"/>
+            <a:ext cx="5423704" cy="3585258"/>
           </a:xfrm>
         </p:spPr>
         <p:txBody>
@@ -7039,7 +7069,7 @@
             <a:fld id="{AB5C8118-FB93-4E87-B380-0175F2FE2167}" type="datetime4">
               <a:rPr lang="en-US" smtClean="0"/>
               <a:pPr/>
-              <a:t>February 10, 2018</a:t>
+              <a:t>June 20, 2018</a:t>
             </a:fld>
             <a:endParaRPr lang="en-US"/>
           </a:p>
@@ -7206,7 +7236,7 @@
             <a:fld id="{05A93482-8E69-40F7-BCAD-5662A6CADB27}" type="datetime4">
               <a:rPr lang="en-US" smtClean="0"/>
               <a:pPr/>
-              <a:t>February 10, 2018</a:t>
+              <a:t>June 20, 2018</a:t>
             </a:fld>
             <a:endParaRPr lang="en-US"/>
           </a:p>
@@ -7292,8 +7322,8 @@
         </p:nvSpPr>
         <p:spPr>
           <a:xfrm>
-            <a:off x="1258645" y="2417358"/>
-            <a:ext cx="6637468" cy="1135063"/>
+            <a:off x="1258645" y="2175623"/>
+            <a:ext cx="6637468" cy="1021557"/>
           </a:xfrm>
         </p:spPr>
         <p:txBody>
@@ -7324,8 +7354,8 @@
         </p:nvSpPr>
         <p:spPr>
           <a:xfrm>
-            <a:off x="1258646" y="3556000"/>
-            <a:ext cx="6637467" cy="1267011"/>
+            <a:off x="1258647" y="3200400"/>
+            <a:ext cx="6637467" cy="1140310"/>
           </a:xfrm>
         </p:spPr>
         <p:txBody>
@@ -7449,7 +7479,7 @@
             <a:fld id="{FBB7EAE1-CAAC-4AEF-919E-158692B1E55E}" type="datetime4">
               <a:rPr lang="en-US" smtClean="0"/>
               <a:pPr/>
-              <a:t>February 10, 2018</a:t>
+              <a:t>June 20, 2018</a:t>
             </a:fld>
             <a:endParaRPr lang="en-US"/>
           </a:p>
@@ -7564,7 +7594,7 @@
             <a:fld id="{9525A706-D8F2-4D1A-855A-CADC92600C26}" type="datetime4">
               <a:rPr lang="en-US" smtClean="0"/>
               <a:pPr/>
-              <a:t>February 10, 2018</a:t>
+              <a:t>June 20, 2018</a:t>
             </a:fld>
             <a:endParaRPr lang="en-US"/>
           </a:p>
@@ -7625,8 +7655,8 @@
         </p:nvSpPr>
         <p:spPr>
           <a:xfrm>
-            <a:off x="1042416" y="1927860"/>
-            <a:ext cx="3419856" cy="2910840"/>
+            <a:off x="1042416" y="1735074"/>
+            <a:ext cx="3419856" cy="2619756"/>
           </a:xfrm>
         </p:spPr>
         <p:txBody>
@@ -7682,8 +7712,8 @@
         </p:nvSpPr>
         <p:spPr>
           <a:xfrm>
-            <a:off x="4645152" y="1927859"/>
-            <a:ext cx="3419856" cy="2910840"/>
+            <a:off x="4645152" y="1735073"/>
+            <a:ext cx="3419856" cy="2619756"/>
           </a:xfrm>
         </p:spPr>
         <p:txBody>
@@ -7791,8 +7821,8 @@
         </p:nvSpPr>
         <p:spPr>
           <a:xfrm>
-            <a:off x="1412111" y="1930008"/>
-            <a:ext cx="3057148" cy="533135"/>
+            <a:off x="1412111" y="1737007"/>
+            <a:ext cx="3057148" cy="479822"/>
           </a:xfrm>
         </p:spPr>
         <p:txBody>
@@ -7860,8 +7890,8 @@
         </p:nvSpPr>
         <p:spPr>
           <a:xfrm>
-            <a:off x="1041721" y="2478912"/>
-            <a:ext cx="3419856" cy="2363164"/>
+            <a:off x="1041721" y="2231021"/>
+            <a:ext cx="3419856" cy="2126848"/>
           </a:xfrm>
         </p:spPr>
         <p:txBody>
@@ -7945,8 +7975,8 @@
         </p:nvSpPr>
         <p:spPr>
           <a:xfrm>
-            <a:off x="5011838" y="1930008"/>
-            <a:ext cx="3055717" cy="533135"/>
+            <a:off x="5011839" y="1737007"/>
+            <a:ext cx="3055717" cy="479822"/>
           </a:xfrm>
         </p:spPr>
         <p:txBody>
@@ -8014,8 +8044,8 @@
         </p:nvSpPr>
         <p:spPr>
           <a:xfrm>
-            <a:off x="4645152" y="2478912"/>
-            <a:ext cx="3419856" cy="2363164"/>
+            <a:off x="4645152" y="2231021"/>
+            <a:ext cx="3419856" cy="2126848"/>
           </a:xfrm>
         </p:spPr>
         <p:txBody>
@@ -8105,7 +8135,7 @@
             <a:fld id="{99B4F123-1704-49AC-9D15-C4B1462B8014}" type="datetime4">
               <a:rPr lang="en-US" smtClean="0"/>
               <a:pPr/>
-              <a:t>February 10, 2018</a:t>
+              <a:t>June 20, 2018</a:t>
             </a:fld>
             <a:endParaRPr lang="en-US"/>
           </a:p>
@@ -8220,7 +8250,7 @@
             <a:fld id="{E3127EC2-47FB-48A1-8644-C8A81DDAA119}" type="datetime4">
               <a:rPr lang="en-US" smtClean="0"/>
               <a:pPr/>
-              <a:t>February 10, 2018</a:t>
+              <a:t>June 20, 2018</a:t>
             </a:fld>
             <a:endParaRPr lang="en-US"/>
           </a:p>
@@ -8312,7 +8342,7 @@
             <a:fld id="{AE3EC3ED-7435-49F9-84C8-03CCA2F8DEDB}" type="datetime4">
               <a:rPr lang="en-US" smtClean="0"/>
               <a:pPr/>
-              <a:t>February 10, 2018</a:t>
+              <a:t>June 20, 2018</a:t>
             </a:fld>
             <a:endParaRPr lang="en-US"/>
           </a:p>
@@ -8395,7 +8425,7 @@
         <p:grpSpPr>
           <a:xfrm>
             <a:off x="-382404" y="0"/>
-            <a:ext cx="9932332" cy="5715000"/>
+            <a:ext cx="9932332" cy="5143500"/>
             <a:chOff x="-382404" y="0"/>
             <a:chExt cx="9932332" cy="6858000"/>
           </a:xfrm>
@@ -10859,8 +10889,8 @@
         </p:nvSpPr>
         <p:spPr>
           <a:xfrm>
-            <a:off x="4561242" y="-17926"/>
-            <a:ext cx="3679116" cy="5226533"/>
+            <a:off x="4561242" y="-16133"/>
+            <a:ext cx="3679116" cy="4703880"/>
           </a:xfrm>
           <a:prstGeom prst="rect">
             <a:avLst/>
@@ -10909,8 +10939,8 @@
         </p:nvSpPr>
         <p:spPr>
           <a:xfrm>
-            <a:off x="4649096" y="-17925"/>
-            <a:ext cx="3505200" cy="519948"/>
+            <a:off x="4649096" y="-16132"/>
+            <a:ext cx="3505200" cy="467953"/>
           </a:xfrm>
           <a:prstGeom prst="rect">
             <a:avLst/>
@@ -10965,7 +10995,7 @@
             <a:fld id="{3FC49BF1-FCD3-4395-8FF6-0047AF66228E}" type="datetime4">
               <a:rPr lang="en-US" smtClean="0"/>
               <a:pPr/>
-              <a:t>February 10, 2018</a:t>
+              <a:t>June 20, 2018</a:t>
             </a:fld>
             <a:endParaRPr lang="en-US"/>
           </a:p>
@@ -11003,8 +11033,8 @@
         </p:nvSpPr>
         <p:spPr>
           <a:xfrm>
-            <a:off x="905572" y="501569"/>
-            <a:ext cx="3562257" cy="4707038"/>
+            <a:off x="905573" y="451412"/>
+            <a:ext cx="3562257" cy="4236334"/>
           </a:xfrm>
           <a:prstGeom prst="rect">
             <a:avLst/>
@@ -11055,8 +11085,8 @@
         </p:nvSpPr>
         <p:spPr>
           <a:xfrm>
-            <a:off x="1145894" y="713773"/>
-            <a:ext cx="3090440" cy="4292278"/>
+            <a:off x="1145894" y="642396"/>
+            <a:ext cx="3090440" cy="3863050"/>
           </a:xfrm>
         </p:spPr>
         <p:txBody>
@@ -11136,8 +11166,8 @@
         </p:nvSpPr>
         <p:spPr>
           <a:xfrm>
-            <a:off x="4650889" y="5073570"/>
-            <a:ext cx="3505200" cy="68117"/>
+            <a:off x="4650889" y="4566214"/>
+            <a:ext cx="3505200" cy="61305"/>
           </a:xfrm>
           <a:prstGeom prst="rect">
             <a:avLst/>
@@ -11186,8 +11216,8 @@
         </p:nvSpPr>
         <p:spPr>
           <a:xfrm>
-            <a:off x="4641448" y="4770696"/>
-            <a:ext cx="3493664" cy="304271"/>
+            <a:off x="4641448" y="4293627"/>
+            <a:ext cx="3493664" cy="273844"/>
           </a:xfrm>
         </p:spPr>
         <p:txBody>
@@ -11212,8 +11242,8 @@
         </p:nvSpPr>
         <p:spPr>
           <a:xfrm>
-            <a:off x="4739833" y="2214529"/>
-            <a:ext cx="3304572" cy="1219294"/>
+            <a:off x="4739833" y="1993076"/>
+            <a:ext cx="3304572" cy="1097365"/>
           </a:xfrm>
         </p:spPr>
         <p:txBody>
@@ -11246,8 +11276,8 @@
         </p:nvSpPr>
         <p:spPr>
           <a:xfrm>
-            <a:off x="4736592" y="3447495"/>
-            <a:ext cx="3298784" cy="1264920"/>
+            <a:off x="4736592" y="3102746"/>
+            <a:ext cx="3298784" cy="1138428"/>
           </a:xfrm>
         </p:spPr>
         <p:txBody>
@@ -11339,7 +11369,7 @@
         <p:grpSpPr>
           <a:xfrm>
             <a:off x="-382404" y="0"/>
-            <a:ext cx="9932332" cy="5715000"/>
+            <a:ext cx="9932332" cy="5143500"/>
             <a:chOff x="-382404" y="0"/>
             <a:chExt cx="9932332" cy="6858000"/>
           </a:xfrm>
@@ -13803,8 +13833,8 @@
         </p:nvSpPr>
         <p:spPr>
           <a:xfrm>
-            <a:off x="4561242" y="-17926"/>
-            <a:ext cx="3679116" cy="5226533"/>
+            <a:off x="4561242" y="-16133"/>
+            <a:ext cx="3679116" cy="4703880"/>
           </a:xfrm>
           <a:prstGeom prst="rect">
             <a:avLst/>
@@ -13853,8 +13883,8 @@
         </p:nvSpPr>
         <p:spPr>
           <a:xfrm>
-            <a:off x="4649096" y="-17925"/>
-            <a:ext cx="3505200" cy="519948"/>
+            <a:off x="4649096" y="-16132"/>
+            <a:ext cx="3505200" cy="467953"/>
           </a:xfrm>
           <a:prstGeom prst="rect">
             <a:avLst/>
@@ -13899,8 +13929,8 @@
         </p:nvSpPr>
         <p:spPr>
           <a:xfrm>
-            <a:off x="905572" y="501569"/>
-            <a:ext cx="3562257" cy="4707038"/>
+            <a:off x="905573" y="451412"/>
+            <a:ext cx="3562257" cy="4236334"/>
           </a:xfrm>
           <a:prstGeom prst="rect">
             <a:avLst/>
@@ -13949,8 +13979,8 @@
         </p:nvSpPr>
         <p:spPr>
           <a:xfrm>
-            <a:off x="4650889" y="5073570"/>
-            <a:ext cx="3505200" cy="68117"/>
+            <a:off x="4650889" y="4566214"/>
+            <a:ext cx="3505200" cy="61305"/>
           </a:xfrm>
           <a:prstGeom prst="rect">
             <a:avLst/>
@@ -13999,8 +14029,8 @@
         </p:nvSpPr>
         <p:spPr>
           <a:xfrm>
-            <a:off x="4734424" y="2217420"/>
-            <a:ext cx="3300984" cy="1219200"/>
+            <a:off x="4734424" y="1995678"/>
+            <a:ext cx="3300984" cy="1097280"/>
           </a:xfrm>
         </p:spPr>
         <p:txBody>
@@ -14033,8 +14063,8 @@
         </p:nvSpPr>
         <p:spPr>
           <a:xfrm>
-            <a:off x="1005209" y="578163"/>
-            <a:ext cx="3359623" cy="4556760"/>
+            <a:off x="1005210" y="520347"/>
+            <a:ext cx="3359623" cy="4101084"/>
           </a:xfrm>
         </p:spPr>
         <p:txBody>
@@ -14102,8 +14132,8 @@
         </p:nvSpPr>
         <p:spPr>
           <a:xfrm>
-            <a:off x="4734631" y="3444240"/>
-            <a:ext cx="3300573" cy="1266301"/>
+            <a:off x="4734632" y="3099816"/>
+            <a:ext cx="3300573" cy="1139671"/>
           </a:xfrm>
         </p:spPr>
         <p:txBody>
@@ -14179,7 +14209,7 @@
             <a:fld id="{CA861222-2C8B-4501-BE87-6797EC025925}" type="datetime4">
               <a:rPr lang="en-US" smtClean="0"/>
               <a:pPr/>
-              <a:t>February 10, 2018</a:t>
+              <a:t>June 20, 2018</a:t>
             </a:fld>
             <a:endParaRPr lang="en-US"/>
           </a:p>
@@ -14197,8 +14227,8 @@
         </p:nvSpPr>
         <p:spPr>
           <a:xfrm>
-            <a:off x="4641448" y="4770696"/>
-            <a:ext cx="3493664" cy="304271"/>
+            <a:off x="4641448" y="4293627"/>
+            <a:ext cx="3493664" cy="273844"/>
           </a:xfrm>
         </p:spPr>
         <p:txBody>
@@ -14274,7 +14304,7 @@
         <p:grpSpPr>
           <a:xfrm>
             <a:off x="-304800" y="0"/>
-            <a:ext cx="9932332" cy="5715000"/>
+            <a:ext cx="9932332" cy="5143500"/>
             <a:chOff x="-382404" y="0"/>
             <a:chExt cx="9932332" cy="6858000"/>
           </a:xfrm>
@@ -16738,8 +16768,8 @@
         </p:nvSpPr>
         <p:spPr>
           <a:xfrm>
-            <a:off x="457200" y="277906"/>
-            <a:ext cx="8229600" cy="5154706"/>
+            <a:off x="457200" y="250116"/>
+            <a:ext cx="8229600" cy="4639235"/>
           </a:xfrm>
           <a:prstGeom prst="rect">
             <a:avLst/>
@@ -16786,8 +16816,8 @@
         </p:nvSpPr>
         <p:spPr>
           <a:xfrm>
-            <a:off x="4561242" y="-17926"/>
-            <a:ext cx="3679116" cy="582703"/>
+            <a:off x="4561242" y="-16133"/>
+            <a:ext cx="3679116" cy="524433"/>
           </a:xfrm>
           <a:prstGeom prst="rect">
             <a:avLst/>
@@ -16836,8 +16866,8 @@
         </p:nvSpPr>
         <p:spPr>
           <a:xfrm>
-            <a:off x="4649096" y="-17925"/>
-            <a:ext cx="3505200" cy="519948"/>
+            <a:off x="4649096" y="-16132"/>
+            <a:ext cx="3505200" cy="467953"/>
           </a:xfrm>
           <a:prstGeom prst="rect">
             <a:avLst/>
@@ -16886,8 +16916,8 @@
         </p:nvSpPr>
         <p:spPr>
           <a:xfrm>
-            <a:off x="1043490" y="856387"/>
-            <a:ext cx="7024744" cy="952500"/>
+            <a:off x="1043490" y="770748"/>
+            <a:ext cx="7024744" cy="857250"/>
           </a:xfrm>
           <a:prstGeom prst="rect">
             <a:avLst/>
@@ -16919,8 +16949,8 @@
         </p:nvSpPr>
         <p:spPr>
           <a:xfrm>
-            <a:off x="1043493" y="1936377"/>
-            <a:ext cx="6777317" cy="2924148"/>
+            <a:off x="1043493" y="1742739"/>
+            <a:ext cx="6777317" cy="2631733"/>
           </a:xfrm>
           <a:prstGeom prst="rect">
             <a:avLst/>
@@ -16981,8 +17011,8 @@
         </p:nvSpPr>
         <p:spPr>
           <a:xfrm>
-            <a:off x="5997388" y="187077"/>
-            <a:ext cx="2133600" cy="304271"/>
+            <a:off x="5997388" y="168370"/>
+            <a:ext cx="2133600" cy="273844"/>
           </a:xfrm>
           <a:prstGeom prst="rect">
             <a:avLst/>
@@ -17003,7 +17033,7 @@
             <a:fld id="{16C01193-8287-4834-A286-6B880643E934}" type="datetime4">
               <a:rPr lang="en-US" smtClean="0"/>
               <a:pPr/>
-              <a:t>February 10, 2018</a:t>
+              <a:t>June 20, 2018</a:t>
             </a:fld>
             <a:endParaRPr lang="en-US"/>
           </a:p>
@@ -17021,8 +17051,8 @@
         </p:nvSpPr>
         <p:spPr>
           <a:xfrm>
-            <a:off x="4641448" y="4876800"/>
-            <a:ext cx="3502152" cy="304271"/>
+            <a:off x="4641448" y="4389120"/>
+            <a:ext cx="3502152" cy="273844"/>
           </a:xfrm>
           <a:prstGeom prst="rect">
             <a:avLst/>
@@ -17056,8 +17086,8 @@
         </p:nvSpPr>
         <p:spPr>
           <a:xfrm>
-            <a:off x="4649096" y="187076"/>
-            <a:ext cx="1332156" cy="304271"/>
+            <a:off x="4649096" y="168369"/>
+            <a:ext cx="1332156" cy="273844"/>
           </a:xfrm>
           <a:prstGeom prst="rect">
             <a:avLst/>
@@ -17553,7 +17583,7 @@
             <a:fld id="{0A98AF03-7270-45C2-A683-C5E353EF01A5}" type="datetime4">
               <a:rPr lang="en-US" smtClean="0"/>
               <a:pPr/>
-              <a:t>February 10, 2018</a:t>
+              <a:t>June 20, 2018</a:t>
             </a:fld>
             <a:endParaRPr lang="en-US" dirty="0"/>
           </a:p>
@@ -17571,7 +17601,9 @@
         </p:nvSpPr>
         <p:spPr/>
         <p:txBody>
-          <a:bodyPr/>
+          <a:bodyPr>
+            <a:normAutofit lnSpcReduction="10000"/>
+          </a:bodyPr>
           <a:lstStyle/>
           <a:p>
             <a:endParaRPr lang="en-US" dirty="0"/>
@@ -17651,8 +17683,8 @@
         </p:nvSpPr>
         <p:spPr>
           <a:xfrm>
-            <a:off x="467544" y="481236"/>
-            <a:ext cx="7024744" cy="952500"/>
+            <a:off x="467544" y="433112"/>
+            <a:ext cx="7024744" cy="857250"/>
           </a:xfrm>
         </p:spPr>
         <p:txBody>
@@ -17689,7 +17721,7 @@
             <a:fld id="{05A93482-8E69-40F7-BCAD-5662A6CADB27}" type="datetime4">
               <a:rPr lang="en-US" smtClean="0"/>
               <a:pPr/>
-              <a:t>February 10, 2018</a:t>
+              <a:t>June 20, 2018</a:t>
             </a:fld>
             <a:endParaRPr lang="en-US"/>
           </a:p>
@@ -17727,8 +17759,8 @@
         </p:nvSpPr>
         <p:spPr>
           <a:xfrm>
-            <a:off x="2771800" y="523957"/>
-            <a:ext cx="3456384" cy="5324535"/>
+            <a:off x="2771800" y="471562"/>
+            <a:ext cx="4464496" cy="4524315"/>
           </a:xfrm>
           <a:prstGeom prst="rect">
             <a:avLst/>
@@ -17742,21 +17774,21 @@
           <a:lstStyle/>
           <a:p>
             <a:r>
-              <a:rPr lang="en-US" altLang="zh-CN" sz="1400" dirty="0">
+              <a:rPr lang="en-US" altLang="zh-CN" sz="1200" dirty="0">
                 <a:latin typeface="Consolas" panose="020B0609020204030204" pitchFamily="49" charset="0"/>
                 <a:cs typeface="Consolas" panose="020B0609020204030204" pitchFamily="49" charset="0"/>
               </a:rPr>
               <a:t>#include &lt;</a:t>
             </a:r>
             <a:r>
-              <a:rPr lang="en-US" altLang="zh-CN" sz="1400" dirty="0" err="1">
+              <a:rPr lang="en-US" altLang="zh-CN" sz="1200" dirty="0" err="1">
                 <a:latin typeface="Consolas" panose="020B0609020204030204" pitchFamily="49" charset="0"/>
                 <a:cs typeface="Consolas" panose="020B0609020204030204" pitchFamily="49" charset="0"/>
               </a:rPr>
               <a:t>stdio.h</a:t>
             </a:r>
             <a:r>
-              <a:rPr lang="en-US" altLang="zh-CN" sz="1400" dirty="0">
+              <a:rPr lang="en-US" altLang="zh-CN" sz="1200" dirty="0">
                 <a:latin typeface="Consolas" panose="020B0609020204030204" pitchFamily="49" charset="0"/>
                 <a:cs typeface="Consolas" panose="020B0609020204030204" pitchFamily="49" charset="0"/>
               </a:rPr>
@@ -17765,14 +17797,14 @@
           </a:p>
           <a:p>
             <a:r>
-              <a:rPr lang="en-US" altLang="zh-CN" sz="1400" dirty="0" err="1">
+              <a:rPr lang="en-US" altLang="zh-CN" sz="1200" dirty="0" err="1">
                 <a:latin typeface="Consolas" panose="020B0609020204030204" pitchFamily="49" charset="0"/>
                 <a:cs typeface="Consolas" panose="020B0609020204030204" pitchFamily="49" charset="0"/>
               </a:rPr>
               <a:t>int</a:t>
             </a:r>
             <a:r>
-              <a:rPr lang="en-US" altLang="zh-CN" sz="1400" dirty="0">
+              <a:rPr lang="en-US" altLang="zh-CN" sz="1200" dirty="0">
                 <a:latin typeface="Consolas" panose="020B0609020204030204" pitchFamily="49" charset="0"/>
                 <a:cs typeface="Consolas" panose="020B0609020204030204" pitchFamily="49" charset="0"/>
               </a:rPr>
@@ -17781,35 +17813,35 @@
           </a:p>
           <a:p>
             <a:r>
-              <a:rPr lang="en-US" altLang="zh-CN" sz="1400" dirty="0">
+              <a:rPr lang="en-US" altLang="zh-CN" sz="1200" dirty="0">
                 <a:latin typeface="Consolas" panose="020B0609020204030204" pitchFamily="49" charset="0"/>
                 <a:cs typeface="Consolas" panose="020B0609020204030204" pitchFamily="49" charset="0"/>
               </a:rPr>
               <a:t>void trans(</a:t>
             </a:r>
             <a:r>
-              <a:rPr lang="en-US" altLang="zh-CN" sz="1400" dirty="0" err="1">
+              <a:rPr lang="en-US" altLang="zh-CN" sz="1200" dirty="0" err="1">
                 <a:latin typeface="Consolas" panose="020B0609020204030204" pitchFamily="49" charset="0"/>
                 <a:cs typeface="Consolas" panose="020B0609020204030204" pitchFamily="49" charset="0"/>
               </a:rPr>
               <a:t>int</a:t>
             </a:r>
             <a:r>
-              <a:rPr lang="en-US" altLang="zh-CN" sz="1400" dirty="0">
+              <a:rPr lang="en-US" altLang="zh-CN" sz="1200" dirty="0">
                 <a:latin typeface="Consolas" panose="020B0609020204030204" pitchFamily="49" charset="0"/>
                 <a:cs typeface="Consolas" panose="020B0609020204030204" pitchFamily="49" charset="0"/>
               </a:rPr>
               <a:t> </a:t>
             </a:r>
             <a:r>
-              <a:rPr lang="en-US" altLang="zh-CN" sz="1400" dirty="0" err="1">
+              <a:rPr lang="en-US" altLang="zh-CN" sz="1200" dirty="0" err="1">
                 <a:latin typeface="Consolas" panose="020B0609020204030204" pitchFamily="49" charset="0"/>
                 <a:cs typeface="Consolas" panose="020B0609020204030204" pitchFamily="49" charset="0"/>
               </a:rPr>
               <a:t>n,int</a:t>
             </a:r>
             <a:r>
-              <a:rPr lang="en-US" altLang="zh-CN" sz="1400" dirty="0">
+              <a:rPr lang="en-US" altLang="zh-CN" sz="1200" dirty="0">
                 <a:latin typeface="Consolas" panose="020B0609020204030204" pitchFamily="49" charset="0"/>
                 <a:cs typeface="Consolas" panose="020B0609020204030204" pitchFamily="49" charset="0"/>
               </a:rPr>
@@ -17818,7 +17850,7 @@
           </a:p>
           <a:p>
             <a:r>
-              <a:rPr lang="en-US" altLang="zh-CN" sz="1400" dirty="0">
+              <a:rPr lang="en-US" altLang="zh-CN" sz="1200" dirty="0">
                 <a:latin typeface="Consolas" panose="020B0609020204030204" pitchFamily="49" charset="0"/>
                 <a:cs typeface="Consolas" panose="020B0609020204030204" pitchFamily="49" charset="0"/>
               </a:rPr>
@@ -17827,7 +17859,7 @@
           </a:p>
           <a:p>
             <a:r>
-              <a:rPr lang="en-US" altLang="zh-CN" sz="1400" dirty="0">
+              <a:rPr lang="en-US" altLang="zh-CN" sz="1200" dirty="0">
                 <a:latin typeface="Consolas" panose="020B0609020204030204" pitchFamily="49" charset="0"/>
                 <a:cs typeface="Consolas" panose="020B0609020204030204" pitchFamily="49" charset="0"/>
               </a:rPr>
@@ -17836,7 +17868,7 @@
           </a:p>
           <a:p>
             <a:r>
-              <a:rPr lang="en-US" altLang="zh-CN" sz="1400" dirty="0">
+              <a:rPr lang="en-US" altLang="zh-CN" sz="1200" dirty="0">
                 <a:latin typeface="Consolas" panose="020B0609020204030204" pitchFamily="49" charset="0"/>
                 <a:cs typeface="Consolas" panose="020B0609020204030204" pitchFamily="49" charset="0"/>
               </a:rPr>
@@ -17845,7 +17877,7 @@
           </a:p>
           <a:p>
             <a:r>
-              <a:rPr lang="en-US" altLang="zh-CN" sz="1400" dirty="0">
+              <a:rPr lang="en-US" altLang="zh-CN" sz="1200" dirty="0">
                 <a:latin typeface="Consolas" panose="020B0609020204030204" pitchFamily="49" charset="0"/>
                 <a:cs typeface="Consolas" panose="020B0609020204030204" pitchFamily="49" charset="0"/>
               </a:rPr>
@@ -17854,21 +17886,21 @@
           </a:p>
           <a:p>
             <a:r>
-              <a:rPr lang="en-US" altLang="zh-CN" sz="1400" dirty="0">
+              <a:rPr lang="en-US" altLang="zh-CN" sz="1200" dirty="0">
                 <a:latin typeface="Consolas" panose="020B0609020204030204" pitchFamily="49" charset="0"/>
                 <a:cs typeface="Consolas" panose="020B0609020204030204" pitchFamily="49" charset="0"/>
               </a:rPr>
               <a:t>        a[l++]=</a:t>
             </a:r>
             <a:r>
-              <a:rPr lang="en-US" altLang="zh-CN" sz="1400" dirty="0" err="1">
+              <a:rPr lang="en-US" altLang="zh-CN" sz="1200" dirty="0" err="1">
                 <a:latin typeface="Consolas" panose="020B0609020204030204" pitchFamily="49" charset="0"/>
                 <a:cs typeface="Consolas" panose="020B0609020204030204" pitchFamily="49" charset="0"/>
               </a:rPr>
               <a:t>n%m</a:t>
             </a:r>
             <a:r>
-              <a:rPr lang="en-US" altLang="zh-CN" sz="1400" dirty="0">
+              <a:rPr lang="en-US" altLang="zh-CN" sz="1200" dirty="0">
                 <a:latin typeface="Consolas" panose="020B0609020204030204" pitchFamily="49" charset="0"/>
                 <a:cs typeface="Consolas" panose="020B0609020204030204" pitchFamily="49" charset="0"/>
               </a:rPr>
@@ -17877,7 +17909,7 @@
           </a:p>
           <a:p>
             <a:r>
-              <a:rPr lang="en-US" altLang="zh-CN" sz="1400" dirty="0">
+              <a:rPr lang="en-US" altLang="zh-CN" sz="1200" dirty="0">
                 <a:latin typeface="Consolas" panose="020B0609020204030204" pitchFamily="49" charset="0"/>
                 <a:cs typeface="Consolas" panose="020B0609020204030204" pitchFamily="49" charset="0"/>
               </a:rPr>
@@ -17886,7 +17918,7 @@
           </a:p>
           <a:p>
             <a:r>
-              <a:rPr lang="en-US" altLang="zh-CN" sz="1400" dirty="0">
+              <a:rPr lang="en-US" altLang="zh-CN" sz="1200" dirty="0">
                 <a:latin typeface="Consolas" panose="020B0609020204030204" pitchFamily="49" charset="0"/>
                 <a:cs typeface="Consolas" panose="020B0609020204030204" pitchFamily="49" charset="0"/>
               </a:rPr>
@@ -17895,7 +17927,7 @@
           </a:p>
           <a:p>
             <a:r>
-              <a:rPr lang="en-US" altLang="zh-CN" sz="1400" dirty="0">
+              <a:rPr lang="en-US" altLang="zh-CN" sz="1200" dirty="0">
                 <a:latin typeface="Consolas" panose="020B0609020204030204" pitchFamily="49" charset="0"/>
                 <a:cs typeface="Consolas" panose="020B0609020204030204" pitchFamily="49" charset="0"/>
               </a:rPr>
@@ -17904,7 +17936,7 @@
           </a:p>
           <a:p>
             <a:r>
-              <a:rPr lang="en-US" altLang="zh-CN" sz="1400" dirty="0">
+              <a:rPr lang="en-US" altLang="zh-CN" sz="1200" dirty="0">
                 <a:latin typeface="Consolas" panose="020B0609020204030204" pitchFamily="49" charset="0"/>
                 <a:cs typeface="Consolas" panose="020B0609020204030204" pitchFamily="49" charset="0"/>
               </a:rPr>
@@ -17913,7 +17945,7 @@
           </a:p>
           <a:p>
             <a:r>
-              <a:rPr lang="en-US" altLang="zh-CN" sz="1400" dirty="0">
+              <a:rPr lang="en-US" altLang="zh-CN" sz="1200" dirty="0">
                 <a:latin typeface="Consolas" panose="020B0609020204030204" pitchFamily="49" charset="0"/>
                 <a:cs typeface="Consolas" panose="020B0609020204030204" pitchFamily="49" charset="0"/>
               </a:rPr>
@@ -17922,7 +17954,7 @@
           </a:p>
           <a:p>
             <a:r>
-              <a:rPr lang="en-US" altLang="zh-CN" sz="1400" dirty="0">
+              <a:rPr lang="en-US" altLang="zh-CN" sz="1200" dirty="0">
                 <a:latin typeface="Consolas" panose="020B0609020204030204" pitchFamily="49" charset="0"/>
                 <a:cs typeface="Consolas" panose="020B0609020204030204" pitchFamily="49" charset="0"/>
               </a:rPr>
@@ -17931,35 +17963,35 @@
           </a:p>
           <a:p>
             <a:r>
-              <a:rPr lang="en-US" altLang="zh-CN" sz="1400" dirty="0">
+              <a:rPr lang="en-US" altLang="zh-CN" sz="1200" dirty="0">
                 <a:latin typeface="Consolas" panose="020B0609020204030204" pitchFamily="49" charset="0"/>
                 <a:cs typeface="Consolas" panose="020B0609020204030204" pitchFamily="49" charset="0"/>
               </a:rPr>
               <a:t>    for(</a:t>
             </a:r>
             <a:r>
-              <a:rPr lang="en-US" altLang="zh-CN" sz="1400" dirty="0" err="1">
+              <a:rPr lang="en-US" altLang="zh-CN" sz="1200" dirty="0" err="1">
                 <a:latin typeface="Consolas" panose="020B0609020204030204" pitchFamily="49" charset="0"/>
                 <a:cs typeface="Consolas" panose="020B0609020204030204" pitchFamily="49" charset="0"/>
               </a:rPr>
               <a:t>int</a:t>
             </a:r>
             <a:r>
-              <a:rPr lang="en-US" altLang="zh-CN" sz="1400" dirty="0">
+              <a:rPr lang="en-US" altLang="zh-CN" sz="1200" dirty="0">
                 <a:latin typeface="Consolas" panose="020B0609020204030204" pitchFamily="49" charset="0"/>
                 <a:cs typeface="Consolas" panose="020B0609020204030204" pitchFamily="49" charset="0"/>
               </a:rPr>
               <a:t> </a:t>
             </a:r>
             <a:r>
-              <a:rPr lang="en-US" altLang="zh-CN" sz="1400" dirty="0" err="1">
+              <a:rPr lang="en-US" altLang="zh-CN" sz="1200" dirty="0" err="1">
                 <a:latin typeface="Consolas" panose="020B0609020204030204" pitchFamily="49" charset="0"/>
                 <a:cs typeface="Consolas" panose="020B0609020204030204" pitchFamily="49" charset="0"/>
               </a:rPr>
               <a:t>i</a:t>
             </a:r>
             <a:r>
-              <a:rPr lang="en-US" altLang="zh-CN" sz="1400" dirty="0">
+              <a:rPr lang="en-US" altLang="zh-CN" sz="1200" dirty="0">
                 <a:latin typeface="Consolas" panose="020B0609020204030204" pitchFamily="49" charset="0"/>
                 <a:cs typeface="Consolas" panose="020B0609020204030204" pitchFamily="49" charset="0"/>
               </a:rPr>
@@ -17968,49 +18000,49 @@
           </a:p>
           <a:p>
             <a:r>
-              <a:rPr lang="en-US" altLang="zh-CN" sz="1400" dirty="0">
+              <a:rPr lang="en-US" altLang="zh-CN" sz="1200" dirty="0">
                 <a:latin typeface="Consolas" panose="020B0609020204030204" pitchFamily="49" charset="0"/>
                 <a:cs typeface="Consolas" panose="020B0609020204030204" pitchFamily="49" charset="0"/>
               </a:rPr>
               <a:t>        </a:t>
             </a:r>
             <a:r>
-              <a:rPr lang="en-US" altLang="zh-CN" sz="1400" dirty="0" err="1">
+              <a:rPr lang="en-US" altLang="zh-CN" sz="1200" dirty="0" err="1">
                 <a:latin typeface="Consolas" panose="020B0609020204030204" pitchFamily="49" charset="0"/>
                 <a:cs typeface="Consolas" panose="020B0609020204030204" pitchFamily="49" charset="0"/>
               </a:rPr>
               <a:t>printf</a:t>
             </a:r>
             <a:r>
-              <a:rPr lang="en-US" altLang="zh-CN" sz="1400" dirty="0">
+              <a:rPr lang="en-US" altLang="zh-CN" sz="1200" dirty="0">
                 <a:latin typeface="Consolas" panose="020B0609020204030204" pitchFamily="49" charset="0"/>
                 <a:cs typeface="Consolas" panose="020B0609020204030204" pitchFamily="49" charset="0"/>
               </a:rPr>
               <a:t>("%</a:t>
             </a:r>
             <a:r>
-              <a:rPr lang="en-US" altLang="zh-CN" sz="1400" dirty="0" err="1">
+              <a:rPr lang="en-US" altLang="zh-CN" sz="1200" dirty="0" err="1">
                 <a:latin typeface="Consolas" panose="020B0609020204030204" pitchFamily="49" charset="0"/>
                 <a:cs typeface="Consolas" panose="020B0609020204030204" pitchFamily="49" charset="0"/>
               </a:rPr>
               <a:t>d",a</a:t>
             </a:r>
             <a:r>
-              <a:rPr lang="en-US" altLang="zh-CN" sz="1400" dirty="0">
+              <a:rPr lang="en-US" altLang="zh-CN" sz="1200" dirty="0">
                 <a:latin typeface="Consolas" panose="020B0609020204030204" pitchFamily="49" charset="0"/>
                 <a:cs typeface="Consolas" panose="020B0609020204030204" pitchFamily="49" charset="0"/>
               </a:rPr>
               <a:t>[</a:t>
             </a:r>
             <a:r>
-              <a:rPr lang="en-US" altLang="zh-CN" sz="1400" dirty="0" err="1">
+              <a:rPr lang="en-US" altLang="zh-CN" sz="1200" dirty="0" err="1">
                 <a:latin typeface="Consolas" panose="020B0609020204030204" pitchFamily="49" charset="0"/>
                 <a:cs typeface="Consolas" panose="020B0609020204030204" pitchFamily="49" charset="0"/>
               </a:rPr>
               <a:t>i</a:t>
             </a:r>
             <a:r>
-              <a:rPr lang="en-US" altLang="zh-CN" sz="1400" dirty="0">
+              <a:rPr lang="en-US" altLang="zh-CN" sz="1200" dirty="0">
                 <a:latin typeface="Consolas" panose="020B0609020204030204" pitchFamily="49" charset="0"/>
                 <a:cs typeface="Consolas" panose="020B0609020204030204" pitchFamily="49" charset="0"/>
               </a:rPr>
@@ -18019,7 +18051,7 @@
           </a:p>
           <a:p>
             <a:r>
-              <a:rPr lang="en-US" altLang="zh-CN" sz="1400" dirty="0">
+              <a:rPr lang="en-US" altLang="zh-CN" sz="1200" dirty="0">
                 <a:latin typeface="Consolas" panose="020B0609020204030204" pitchFamily="49" charset="0"/>
                 <a:cs typeface="Consolas" panose="020B0609020204030204" pitchFamily="49" charset="0"/>
               </a:rPr>
@@ -18028,14 +18060,14 @@
           </a:p>
           <a:p>
             <a:r>
-              <a:rPr lang="en-US" altLang="zh-CN" sz="1400" dirty="0" err="1">
+              <a:rPr lang="en-US" altLang="zh-CN" sz="1200" dirty="0" err="1">
                 <a:latin typeface="Consolas" panose="020B0609020204030204" pitchFamily="49" charset="0"/>
                 <a:cs typeface="Consolas" panose="020B0609020204030204" pitchFamily="49" charset="0"/>
               </a:rPr>
               <a:t>int</a:t>
             </a:r>
             <a:r>
-              <a:rPr lang="en-US" altLang="zh-CN" sz="1400" dirty="0">
+              <a:rPr lang="en-US" altLang="zh-CN" sz="1200" dirty="0">
                 <a:latin typeface="Consolas" panose="020B0609020204030204" pitchFamily="49" charset="0"/>
                 <a:cs typeface="Consolas" panose="020B0609020204030204" pitchFamily="49" charset="0"/>
               </a:rPr>
@@ -18044,7 +18076,7 @@
           </a:p>
           <a:p>
             <a:r>
-              <a:rPr lang="en-US" altLang="zh-CN" sz="1400" dirty="0">
+              <a:rPr lang="en-US" altLang="zh-CN" sz="1200" dirty="0">
                 <a:latin typeface="Consolas" panose="020B0609020204030204" pitchFamily="49" charset="0"/>
                 <a:cs typeface="Consolas" panose="020B0609020204030204" pitchFamily="49" charset="0"/>
               </a:rPr>
@@ -18053,7 +18085,7 @@
           </a:p>
           <a:p>
             <a:r>
-              <a:rPr lang="en-US" altLang="zh-CN" sz="1400" dirty="0">
+              <a:rPr lang="en-US" altLang="zh-CN" sz="1200" dirty="0">
                 <a:latin typeface="Consolas" panose="020B0609020204030204" pitchFamily="49" charset="0"/>
                 <a:cs typeface="Consolas" panose="020B0609020204030204" pitchFamily="49" charset="0"/>
               </a:rPr>
@@ -18062,7 +18094,7 @@
           </a:p>
           <a:p>
             <a:r>
-              <a:rPr lang="en-US" altLang="zh-CN" sz="1400" dirty="0">
+              <a:rPr lang="en-US" altLang="zh-CN" sz="1200" dirty="0">
                 <a:latin typeface="Consolas" panose="020B0609020204030204" pitchFamily="49" charset="0"/>
                 <a:cs typeface="Consolas" panose="020B0609020204030204" pitchFamily="49" charset="0"/>
               </a:rPr>
@@ -18071,7 +18103,7 @@
           </a:p>
           <a:p>
             <a:r>
-              <a:rPr lang="en-US" altLang="zh-CN" sz="1400" dirty="0">
+              <a:rPr lang="en-US" altLang="zh-CN" sz="1200" dirty="0">
                 <a:latin typeface="Consolas" panose="020B0609020204030204" pitchFamily="49" charset="0"/>
                 <a:cs typeface="Consolas" panose="020B0609020204030204" pitchFamily="49" charset="0"/>
               </a:rPr>
@@ -18080,7 +18112,7 @@
           </a:p>
           <a:p>
             <a:r>
-              <a:rPr lang="en-US" altLang="zh-CN" sz="1400" dirty="0">
+              <a:rPr lang="en-US" altLang="zh-CN" sz="1200" dirty="0">
                 <a:latin typeface="Consolas" panose="020B0609020204030204" pitchFamily="49" charset="0"/>
                 <a:cs typeface="Consolas" panose="020B0609020204030204" pitchFamily="49" charset="0"/>
               </a:rPr>
@@ -18088,7 +18120,7 @@
             </a:r>
           </a:p>
           <a:p>
-            <a:endParaRPr lang="zh-CN" altLang="en-US" dirty="0"/>
+            <a:endParaRPr lang="zh-CN" altLang="en-US" sz="1200" dirty="0"/>
           </a:p>
         </p:txBody>
       </p:sp>
@@ -18142,7 +18174,7 @@
         <p:spPr>
           <a:xfrm>
             <a:off x="683568" y="0"/>
-            <a:ext cx="7024744" cy="952500"/>
+            <a:ext cx="7024744" cy="857250"/>
           </a:xfrm>
         </p:spPr>
         <p:txBody>
@@ -18168,13 +18200,13 @@
         </p:nvSpPr>
         <p:spPr>
           <a:xfrm>
-            <a:off x="1043608" y="1057300"/>
-            <a:ext cx="6777317" cy="3947241"/>
+            <a:off x="1043609" y="951570"/>
+            <a:ext cx="6777317" cy="3552517"/>
           </a:xfrm>
         </p:spPr>
         <p:txBody>
           <a:bodyPr>
-            <a:normAutofit fontScale="55000" lnSpcReduction="20000"/>
+            <a:normAutofit fontScale="47500" lnSpcReduction="20000"/>
           </a:bodyPr>
           <a:lstStyle/>
           <a:p>
@@ -18385,7 +18417,7 @@
             <a:fld id="{05A93482-8E69-40F7-BCAD-5662A6CADB27}" type="datetime4">
               <a:rPr lang="en-US" smtClean="0"/>
               <a:pPr/>
-              <a:t>February 10, 2018</a:t>
+              <a:t>June 20, 2018</a:t>
             </a:fld>
             <a:endParaRPr lang="en-US"/>
           </a:p>
@@ -18464,13 +18496,13 @@
         </p:nvSpPr>
         <p:spPr>
           <a:xfrm>
-            <a:off x="899592" y="481236"/>
-            <a:ext cx="7168642" cy="1327651"/>
+            <a:off x="899592" y="433113"/>
+            <a:ext cx="7168642" cy="1194886"/>
           </a:xfrm>
         </p:spPr>
         <p:txBody>
           <a:bodyPr>
-            <a:normAutofit/>
+            <a:normAutofit fontScale="90000"/>
           </a:bodyPr>
           <a:lstStyle/>
           <a:p>
@@ -18502,7 +18534,9 @@
         </p:nvSpPr>
         <p:spPr/>
         <p:txBody>
-          <a:bodyPr/>
+          <a:bodyPr>
+            <a:normAutofit lnSpcReduction="10000"/>
+          </a:bodyPr>
           <a:lstStyle/>
           <a:p>
             <a:r>
@@ -18618,7 +18652,7 @@
             <a:fld id="{05A93482-8E69-40F7-BCAD-5662A6CADB27}" type="datetime4">
               <a:rPr lang="en-US" smtClean="0"/>
               <a:pPr/>
-              <a:t>February 10, 2018</a:t>
+              <a:t>June 20, 2018</a:t>
             </a:fld>
             <a:endParaRPr lang="en-US"/>
           </a:p>
@@ -18720,7 +18754,9 @@
         </p:nvSpPr>
         <p:spPr/>
         <p:txBody>
-          <a:bodyPr/>
+          <a:bodyPr>
+            <a:normAutofit lnSpcReduction="10000"/>
+          </a:bodyPr>
           <a:lstStyle/>
           <a:p>
             <a:r>
@@ -18779,7 +18815,7 @@
             <a:fld id="{05A93482-8E69-40F7-BCAD-5662A6CADB27}" type="datetime4">
               <a:rPr lang="en-US" smtClean="0"/>
               <a:pPr/>
-              <a:t>February 10, 2018</a:t>
+              <a:t>June 20, 2018</a:t>
             </a:fld>
             <a:endParaRPr lang="en-US"/>
           </a:p>
@@ -18881,7 +18917,9 @@
         </p:nvSpPr>
         <p:spPr/>
         <p:txBody>
-          <a:bodyPr/>
+          <a:bodyPr>
+            <a:normAutofit lnSpcReduction="10000"/>
+          </a:bodyPr>
           <a:lstStyle/>
           <a:p>
             <a:r>
@@ -19005,7 +19043,7 @@
             <a:fld id="{05A93482-8E69-40F7-BCAD-5662A6CADB27}" type="datetime4">
               <a:rPr lang="en-US" smtClean="0"/>
               <a:pPr/>
-              <a:t>February 10, 2018</a:t>
+              <a:t>June 20, 2018</a:t>
             </a:fld>
             <a:endParaRPr lang="en-US"/>
           </a:p>
@@ -19108,7 +19146,7 @@
         <p:spPr/>
         <p:txBody>
           <a:bodyPr>
-            <a:normAutofit fontScale="85000" lnSpcReduction="20000"/>
+            <a:normAutofit fontScale="70000" lnSpcReduction="20000"/>
           </a:bodyPr>
           <a:lstStyle/>
           <a:p>
@@ -19245,7 +19283,7 @@
             <a:fld id="{05A93482-8E69-40F7-BCAD-5662A6CADB27}" type="datetime4">
               <a:rPr lang="en-US" smtClean="0"/>
               <a:pPr/>
-              <a:t>February 10, 2018</a:t>
+              <a:t>June 20, 2018</a:t>
             </a:fld>
             <a:endParaRPr lang="en-US"/>
           </a:p>
@@ -19364,7 +19402,7 @@
         <p:spPr/>
         <p:txBody>
           <a:bodyPr>
-            <a:normAutofit fontScale="62500" lnSpcReduction="20000"/>
+            <a:normAutofit fontScale="55000" lnSpcReduction="20000"/>
           </a:bodyPr>
           <a:lstStyle/>
           <a:p>
@@ -19496,7 +19534,7 @@
             <a:fld id="{05A93482-8E69-40F7-BCAD-5662A6CADB27}" type="datetime4">
               <a:rPr lang="en-US" smtClean="0"/>
               <a:pPr/>
-              <a:t>February 10, 2018</a:t>
+              <a:t>June 20, 2018</a:t>
             </a:fld>
             <a:endParaRPr lang="en-US"/>
           </a:p>
@@ -19599,7 +19637,7 @@
         <p:spPr/>
         <p:txBody>
           <a:bodyPr>
-            <a:normAutofit fontScale="77500" lnSpcReduction="20000"/>
+            <a:normAutofit fontScale="70000" lnSpcReduction="20000"/>
           </a:bodyPr>
           <a:lstStyle/>
           <a:p>
@@ -19776,7 +19814,7 @@
             <a:fld id="{05A93482-8E69-40F7-BCAD-5662A6CADB27}" type="datetime4">
               <a:rPr lang="en-US" smtClean="0"/>
               <a:pPr/>
-              <a:t>February 10, 2018</a:t>
+              <a:t>June 20, 2018</a:t>
             </a:fld>
             <a:endParaRPr lang="en-US"/>
           </a:p>
@@ -19816,6 +19854,13 @@
   <p:clrMapOvr>
     <a:masterClrMapping/>
   </p:clrMapOvr>
+  <p:timing>
+    <p:tnLst>
+      <p:par>
+        <p:cTn id="1" dur="indefinite" restart="never" nodeType="tmRoot"/>
+      </p:par>
+    </p:tnLst>
+  </p:timing>
 </p:sld>
 </file>
 
@@ -19929,7 +19974,7 @@
             <a:fld id="{05A93482-8E69-40F7-BCAD-5662A6CADB27}" type="datetime4">
               <a:rPr lang="en-US" smtClean="0"/>
               <a:pPr/>
-              <a:t>February 10, 2018</a:t>
+              <a:t>June 20, 2018</a:t>
             </a:fld>
             <a:endParaRPr lang="en-US"/>
           </a:p>
@@ -19982,8 +20027,8 @@
         </p:blipFill>
         <p:spPr bwMode="auto">
           <a:xfrm>
-            <a:off x="3923928" y="3001516"/>
-            <a:ext cx="1565292" cy="2304256"/>
+            <a:off x="3923928" y="2701365"/>
+            <a:ext cx="1565292" cy="2073830"/>
           </a:xfrm>
           <a:prstGeom prst="rect">
             <a:avLst/>
@@ -20010,6 +20055,13 @@
   <p:clrMapOvr>
     <a:masterClrMapping/>
   </p:clrMapOvr>
+  <p:timing>
+    <p:tnLst>
+      <p:par>
+        <p:cTn id="1" dur="indefinite" restart="never" nodeType="tmRoot"/>
+      </p:par>
+    </p:tnLst>
+  </p:timing>
 </p:sld>
 </file>
 
@@ -20071,7 +20123,7 @@
             <a:fld id="{05A93482-8E69-40F7-BCAD-5662A6CADB27}" type="datetime4">
               <a:rPr lang="en-US" smtClean="0"/>
               <a:pPr/>
-              <a:t>February 10, 2018</a:t>
+              <a:t>June 20, 2018</a:t>
             </a:fld>
             <a:endParaRPr lang="en-US"/>
           </a:p>
@@ -20109,8 +20161,8 @@
         </p:nvSpPr>
         <p:spPr>
           <a:xfrm>
-            <a:off x="5004048" y="625252"/>
-            <a:ext cx="2988332" cy="6740307"/>
+            <a:off x="5004048" y="562727"/>
+            <a:ext cx="2988332" cy="5632311"/>
           </a:xfrm>
           <a:prstGeom prst="rect">
             <a:avLst/>
@@ -20250,10 +20302,22 @@
               </a:rPr>
             </a:br>
             <a:r>
+              <a:rPr lang="en-US" altLang="zh-CN" sz="1200">
+                <a:latin typeface="Consolas" panose="020B0609020204030204" pitchFamily="49" charset="0"/>
+              </a:rPr>
+              <a:t>j=0</a:t>
+            </a:r>
+            <a:r>
+              <a:rPr lang="en-US" altLang="zh-CN" sz="1200" smtClean="0">
+                <a:latin typeface="Consolas" panose="020B0609020204030204" pitchFamily="49" charset="0"/>
+              </a:rPr>
+              <a:t>;</a:t>
+            </a:r>
+            <a:r>
               <a:rPr lang="en-US" altLang="zh-CN" sz="1200" dirty="0">
                 <a:latin typeface="Consolas" panose="020B0609020204030204" pitchFamily="49" charset="0"/>
               </a:rPr>
-              <a:t>j=0;</a:t>
+              <a:t/>
             </a:r>
             <a:br>
               <a:rPr lang="en-US" altLang="zh-CN" sz="1200" dirty="0">
@@ -20264,31 +20328,31 @@
               <a:rPr lang="en-US" altLang="zh-CN" sz="1200" dirty="0">
                 <a:latin typeface="Consolas" panose="020B0609020204030204" pitchFamily="49" charset="0"/>
               </a:rPr>
-              <a:t>//</a:t>
+              <a:t>for(</a:t>
             </a:r>
             <a:r>
               <a:rPr lang="en-US" altLang="zh-CN" sz="1200" dirty="0" err="1">
                 <a:latin typeface="Consolas" panose="020B0609020204030204" pitchFamily="49" charset="0"/>
               </a:rPr>
-              <a:t>scanf</a:t>
+              <a:t>i</a:t>
             </a:r>
             <a:r>
               <a:rPr lang="en-US" altLang="zh-CN" sz="1200" dirty="0">
                 <a:latin typeface="Consolas" panose="020B0609020204030204" pitchFamily="49" charset="0"/>
               </a:rPr>
-              <a:t>("%</a:t>
+              <a:t>=1;i&lt;=</a:t>
             </a:r>
             <a:r>
               <a:rPr lang="en-US" altLang="zh-CN" sz="1200" dirty="0" err="1">
                 <a:latin typeface="Consolas" panose="020B0609020204030204" pitchFamily="49" charset="0"/>
               </a:rPr>
-              <a:t>d",&amp;n</a:t>
+              <a:t>n;i</a:t>
             </a:r>
             <a:r>
               <a:rPr lang="en-US" altLang="zh-CN" sz="1200" dirty="0">
                 <a:latin typeface="Consolas" panose="020B0609020204030204" pitchFamily="49" charset="0"/>
               </a:rPr>
-              <a:t>);</a:t>
+              <a:t>++)</a:t>
             </a:r>
             <a:br>
               <a:rPr lang="en-US" altLang="zh-CN" sz="1200" dirty="0">
@@ -20299,31 +20363,7 @@
               <a:rPr lang="en-US" altLang="zh-CN" sz="1200" dirty="0">
                 <a:latin typeface="Consolas" panose="020B0609020204030204" pitchFamily="49" charset="0"/>
               </a:rPr>
-              <a:t>for(</a:t>
-            </a:r>
-            <a:r>
-              <a:rPr lang="en-US" altLang="zh-CN" sz="1200" dirty="0" err="1">
-                <a:latin typeface="Consolas" panose="020B0609020204030204" pitchFamily="49" charset="0"/>
-              </a:rPr>
-              <a:t>i</a:t>
-            </a:r>
-            <a:r>
-              <a:rPr lang="en-US" altLang="zh-CN" sz="1200" dirty="0">
-                <a:latin typeface="Consolas" panose="020B0609020204030204" pitchFamily="49" charset="0"/>
-              </a:rPr>
-              <a:t>=1;i&lt;=</a:t>
-            </a:r>
-            <a:r>
-              <a:rPr lang="en-US" altLang="zh-CN" sz="1200" dirty="0" err="1">
-                <a:latin typeface="Consolas" panose="020B0609020204030204" pitchFamily="49" charset="0"/>
-              </a:rPr>
-              <a:t>n;i</a:t>
-            </a:r>
-            <a:r>
-              <a:rPr lang="en-US" altLang="zh-CN" sz="1200" dirty="0">
-                <a:latin typeface="Consolas" panose="020B0609020204030204" pitchFamily="49" charset="0"/>
-              </a:rPr>
-              <a:t>++)</a:t>
+              <a:t>{</a:t>
             </a:r>
             <a:br>
               <a:rPr lang="en-US" altLang="zh-CN" sz="1200" dirty="0">
@@ -20331,10 +20371,28 @@
               </a:rPr>
             </a:br>
             <a:r>
+              <a:rPr lang="en-US" altLang="zh-CN" sz="1200" dirty="0" err="1">
+                <a:latin typeface="Consolas" panose="020B0609020204030204" pitchFamily="49" charset="0"/>
+              </a:rPr>
+              <a:t>scanf</a:t>
+            </a:r>
+            <a:r>
               <a:rPr lang="en-US" altLang="zh-CN" sz="1200" dirty="0">
                 <a:latin typeface="Consolas" panose="020B0609020204030204" pitchFamily="49" charset="0"/>
               </a:rPr>
-              <a:t>{</a:t>
+              <a:t>("%d %</a:t>
+            </a:r>
+            <a:r>
+              <a:rPr lang="en-US" altLang="zh-CN" sz="1200" dirty="0" err="1">
+                <a:latin typeface="Consolas" panose="020B0609020204030204" pitchFamily="49" charset="0"/>
+              </a:rPr>
+              <a:t>d",&amp;a,&amp;b</a:t>
+            </a:r>
+            <a:r>
+              <a:rPr lang="en-US" altLang="zh-CN" sz="1200" dirty="0">
+                <a:latin typeface="Consolas" panose="020B0609020204030204" pitchFamily="49" charset="0"/>
+              </a:rPr>
+              <a:t>);</a:t>
             </a:r>
             <a:br>
               <a:rPr lang="en-US" altLang="zh-CN" sz="1200" dirty="0">
@@ -20342,28 +20400,10 @@
               </a:rPr>
             </a:br>
             <a:r>
-              <a:rPr lang="en-US" altLang="zh-CN" sz="1200" dirty="0" err="1">
-                <a:latin typeface="Consolas" panose="020B0609020204030204" pitchFamily="49" charset="0"/>
-              </a:rPr>
-              <a:t>scanf</a:t>
-            </a:r>
-            <a:r>
               <a:rPr lang="en-US" altLang="zh-CN" sz="1200" dirty="0">
                 <a:latin typeface="Consolas" panose="020B0609020204030204" pitchFamily="49" charset="0"/>
               </a:rPr>
-              <a:t>("%d %</a:t>
-            </a:r>
-            <a:r>
-              <a:rPr lang="en-US" altLang="zh-CN" sz="1200" dirty="0" err="1">
-                <a:latin typeface="Consolas" panose="020B0609020204030204" pitchFamily="49" charset="0"/>
-              </a:rPr>
-              <a:t>d",&amp;a,&amp;b</a:t>
-            </a:r>
-            <a:r>
-              <a:rPr lang="en-US" altLang="zh-CN" sz="1200" dirty="0">
-                <a:latin typeface="Consolas" panose="020B0609020204030204" pitchFamily="49" charset="0"/>
-              </a:rPr>
-              <a:t>);</a:t>
+              <a:t>if(a&gt;=90&amp;&amp;a&lt;=140&amp;&amp;b&lt;=90&amp;&amp;b&gt;=60)</a:t>
             </a:r>
             <a:br>
               <a:rPr lang="en-US" altLang="zh-CN" sz="1200" dirty="0">
@@ -20371,10 +20411,39 @@
               </a:rPr>
             </a:br>
             <a:r>
+              <a:rPr lang="en-US" altLang="zh-CN" sz="1200" dirty="0" err="1">
+                <a:latin typeface="Consolas" panose="020B0609020204030204" pitchFamily="49" charset="0"/>
+              </a:rPr>
+              <a:t>j++</a:t>
+            </a:r>
+            <a:r>
               <a:rPr lang="en-US" altLang="zh-CN" sz="1200" dirty="0">
                 <a:latin typeface="Consolas" panose="020B0609020204030204" pitchFamily="49" charset="0"/>
               </a:rPr>
-              <a:t>if(a&gt;=90&amp;&amp;a&lt;=140&amp;&amp;b&lt;=90&amp;&amp;b&gt;=60)</a:t>
+              <a:t>; </a:t>
+            </a:r>
+            <a:r>
+              <a:rPr lang="en-US" altLang="zh-CN" sz="1200">
+                <a:latin typeface="Consolas" panose="020B0609020204030204" pitchFamily="49" charset="0"/>
+              </a:rPr>
+              <a:t/>
+            </a:r>
+            <a:br>
+              <a:rPr lang="en-US" altLang="zh-CN" sz="1200">
+                <a:latin typeface="Consolas" panose="020B0609020204030204" pitchFamily="49" charset="0"/>
+              </a:rPr>
+            </a:br>
+            <a:r>
+              <a:rPr lang="en-US" altLang="zh-CN" sz="1200" smtClean="0">
+                <a:latin typeface="Consolas" panose="020B0609020204030204" pitchFamily="49" charset="0"/>
+              </a:rPr>
+              <a:t>}</a:t>
+            </a:r>
+            <a:r>
+              <a:rPr lang="en-US" altLang="zh-CN" sz="1200" dirty="0">
+                <a:latin typeface="Consolas" panose="020B0609020204030204" pitchFamily="49" charset="0"/>
+              </a:rPr>
+              <a:t/>
             </a:r>
             <a:br>
               <a:rPr lang="en-US" altLang="zh-CN" sz="1200" dirty="0">
@@ -20382,16 +20451,28 @@
               </a:rPr>
             </a:br>
             <a:r>
-              <a:rPr lang="en-US" altLang="zh-CN" sz="1200" dirty="0" err="1">
-                <a:latin typeface="Consolas" panose="020B0609020204030204" pitchFamily="49" charset="0"/>
-              </a:rPr>
-              <a:t>j++</a:t>
-            </a:r>
-            <a:r>
               <a:rPr lang="en-US" altLang="zh-CN" sz="1200" dirty="0">
                 <a:latin typeface="Consolas" panose="020B0609020204030204" pitchFamily="49" charset="0"/>
               </a:rPr>
-              <a:t>; </a:t>
+              <a:t>if(j==</a:t>
+            </a:r>
+            <a:r>
+              <a:rPr lang="en-US" altLang="zh-CN" sz="1200">
+                <a:latin typeface="Consolas" panose="020B0609020204030204" pitchFamily="49" charset="0"/>
+              </a:rPr>
+              <a:t>n</a:t>
+            </a:r>
+            <a:r>
+              <a:rPr lang="en-US" altLang="zh-CN" sz="1200" smtClean="0">
+                <a:latin typeface="Consolas" panose="020B0609020204030204" pitchFamily="49" charset="0"/>
+              </a:rPr>
+              <a:t>){</a:t>
+            </a:r>
+            <a:r>
+              <a:rPr lang="en-US" altLang="zh-CN" sz="1200" dirty="0">
+                <a:latin typeface="Consolas" panose="020B0609020204030204" pitchFamily="49" charset="0"/>
+              </a:rPr>
+              <a:t/>
             </a:r>
             <a:br>
               <a:rPr lang="en-US" altLang="zh-CN" sz="1200" dirty="0">
@@ -20399,10 +20480,28 @@
               </a:rPr>
             </a:br>
             <a:r>
+              <a:rPr lang="en-US" altLang="zh-CN" sz="1200" dirty="0" err="1">
+                <a:latin typeface="Consolas" panose="020B0609020204030204" pitchFamily="49" charset="0"/>
+              </a:rPr>
+              <a:t>printf</a:t>
+            </a:r>
+            <a:r>
               <a:rPr lang="en-US" altLang="zh-CN" sz="1200" dirty="0">
                 <a:latin typeface="Consolas" panose="020B0609020204030204" pitchFamily="49" charset="0"/>
               </a:rPr>
-              <a:t>}</a:t>
+              <a:t>("%d\</a:t>
+            </a:r>
+            <a:r>
+              <a:rPr lang="en-US" altLang="zh-CN" sz="1200" dirty="0" err="1">
+                <a:latin typeface="Consolas" panose="020B0609020204030204" pitchFamily="49" charset="0"/>
+              </a:rPr>
+              <a:t>n",j</a:t>
+            </a:r>
+            <a:r>
+              <a:rPr lang="en-US" altLang="zh-CN" sz="1200" dirty="0">
+                <a:latin typeface="Consolas" panose="020B0609020204030204" pitchFamily="49" charset="0"/>
+              </a:rPr>
+              <a:t>);</a:t>
             </a:r>
             <a:br>
               <a:rPr lang="en-US" altLang="zh-CN" sz="1200" dirty="0">
@@ -20410,34 +20509,16 @@
               </a:rPr>
             </a:br>
             <a:r>
+              <a:rPr lang="en-US" altLang="zh-CN" sz="1200" dirty="0" err="1">
+                <a:latin typeface="Consolas" panose="020B0609020204030204" pitchFamily="49" charset="0"/>
+              </a:rPr>
+              <a:t>printf</a:t>
+            </a:r>
+            <a:r>
               <a:rPr lang="en-US" altLang="zh-CN" sz="1200" dirty="0">
                 <a:latin typeface="Consolas" panose="020B0609020204030204" pitchFamily="49" charset="0"/>
               </a:rPr>
-              <a:t>//for(</a:t>
-            </a:r>
-            <a:r>
-              <a:rPr lang="en-US" altLang="zh-CN" sz="1200" dirty="0" err="1">
-                <a:latin typeface="Consolas" panose="020B0609020204030204" pitchFamily="49" charset="0"/>
-              </a:rPr>
-              <a:t>i</a:t>
-            </a:r>
-            <a:r>
-              <a:rPr lang="en-US" altLang="zh-CN" sz="1200" dirty="0">
-                <a:latin typeface="Consolas" panose="020B0609020204030204" pitchFamily="49" charset="0"/>
-              </a:rPr>
-              <a:t>=1;i&lt;=</a:t>
-            </a:r>
-            <a:r>
-              <a:rPr lang="en-US" altLang="zh-CN" sz="1200" dirty="0" err="1">
-                <a:latin typeface="Consolas" panose="020B0609020204030204" pitchFamily="49" charset="0"/>
-              </a:rPr>
-              <a:t>n;i</a:t>
-            </a:r>
-            <a:r>
-              <a:rPr lang="en-US" altLang="zh-CN" sz="1200" dirty="0">
-                <a:latin typeface="Consolas" panose="020B0609020204030204" pitchFamily="49" charset="0"/>
-              </a:rPr>
-              <a:t>++)</a:t>
+              <a:t>("Perfect\n");}</a:t>
             </a:r>
             <a:br>
               <a:rPr lang="en-US" altLang="zh-CN" sz="1200" dirty="0">
@@ -20448,7 +20529,7 @@
               <a:rPr lang="en-US" altLang="zh-CN" sz="1200" dirty="0">
                 <a:latin typeface="Consolas" panose="020B0609020204030204" pitchFamily="49" charset="0"/>
               </a:rPr>
-              <a:t/>
+              <a:t>else if(j&lt;n)</a:t>
             </a:r>
             <a:br>
               <a:rPr lang="en-US" altLang="zh-CN" sz="1200" dirty="0">
@@ -20459,7 +20540,7 @@
               <a:rPr lang="en-US" altLang="zh-CN" sz="1200" dirty="0">
                 <a:latin typeface="Consolas" panose="020B0609020204030204" pitchFamily="49" charset="0"/>
               </a:rPr>
-              <a:t>if(j==n){</a:t>
+              <a:t>{</a:t>
             </a:r>
             <a:br>
               <a:rPr lang="en-US" altLang="zh-CN" sz="1200" dirty="0">
@@ -20467,34 +20548,28 @@
               </a:rPr>
             </a:br>
             <a:r>
+              <a:rPr lang="en-US" altLang="zh-CN" sz="1200" dirty="0" err="1">
+                <a:latin typeface="Consolas" panose="020B0609020204030204" pitchFamily="49" charset="0"/>
+              </a:rPr>
+              <a:t>printf</a:t>
+            </a:r>
+            <a:r>
               <a:rPr lang="en-US" altLang="zh-CN" sz="1200" dirty="0">
                 <a:latin typeface="Consolas" panose="020B0609020204030204" pitchFamily="49" charset="0"/>
               </a:rPr>
-              <a:t>//for(</a:t>
+              <a:t>("%d\</a:t>
             </a:r>
             <a:r>
               <a:rPr lang="en-US" altLang="zh-CN" sz="1200" dirty="0" err="1">
                 <a:latin typeface="Consolas" panose="020B0609020204030204" pitchFamily="49" charset="0"/>
               </a:rPr>
-              <a:t>i</a:t>
+              <a:t>n",j</a:t>
             </a:r>
             <a:r>
               <a:rPr lang="en-US" altLang="zh-CN" sz="1200" dirty="0">
                 <a:latin typeface="Consolas" panose="020B0609020204030204" pitchFamily="49" charset="0"/>
               </a:rPr>
-              <a:t>=1;i&lt;=</a:t>
-            </a:r>
-            <a:r>
-              <a:rPr lang="en-US" altLang="zh-CN" sz="1200" dirty="0" err="1">
-                <a:latin typeface="Consolas" panose="020B0609020204030204" pitchFamily="49" charset="0"/>
-              </a:rPr>
-              <a:t>n;i</a:t>
-            </a:r>
-            <a:r>
-              <a:rPr lang="en-US" altLang="zh-CN" sz="1200" dirty="0">
-                <a:latin typeface="Consolas" panose="020B0609020204030204" pitchFamily="49" charset="0"/>
-              </a:rPr>
-              <a:t>++)</a:t>
+              <a:t>);</a:t>
             </a:r>
             <a:br>
               <a:rPr lang="en-US" altLang="zh-CN" sz="1200" dirty="0">
@@ -20502,28 +20577,10 @@
               </a:rPr>
             </a:br>
             <a:r>
-              <a:rPr lang="en-US" altLang="zh-CN" sz="1200" dirty="0" err="1">
-                <a:latin typeface="Consolas" panose="020B0609020204030204" pitchFamily="49" charset="0"/>
-              </a:rPr>
-              <a:t>printf</a:t>
-            </a:r>
-            <a:r>
               <a:rPr lang="en-US" altLang="zh-CN" sz="1200" dirty="0">
                 <a:latin typeface="Consolas" panose="020B0609020204030204" pitchFamily="49" charset="0"/>
               </a:rPr>
-              <a:t>("%d\</a:t>
-            </a:r>
-            <a:r>
-              <a:rPr lang="en-US" altLang="zh-CN" sz="1200" dirty="0" err="1">
-                <a:latin typeface="Consolas" panose="020B0609020204030204" pitchFamily="49" charset="0"/>
-              </a:rPr>
-              <a:t>n",j</a:t>
-            </a:r>
-            <a:r>
-              <a:rPr lang="en-US" altLang="zh-CN" sz="1200" dirty="0">
-                <a:latin typeface="Consolas" panose="020B0609020204030204" pitchFamily="49" charset="0"/>
-              </a:rPr>
-              <a:t>);</a:t>
+              <a:t>}</a:t>
             </a:r>
             <a:br>
               <a:rPr lang="en-US" altLang="zh-CN" sz="1200" dirty="0">
@@ -20531,16 +20588,10 @@
               </a:rPr>
             </a:br>
             <a:r>
-              <a:rPr lang="en-US" altLang="zh-CN" sz="1200" dirty="0" err="1">
-                <a:latin typeface="Consolas" panose="020B0609020204030204" pitchFamily="49" charset="0"/>
-              </a:rPr>
-              <a:t>printf</a:t>
-            </a:r>
-            <a:r>
               <a:rPr lang="en-US" altLang="zh-CN" sz="1200" dirty="0">
                 <a:latin typeface="Consolas" panose="020B0609020204030204" pitchFamily="49" charset="0"/>
               </a:rPr>
-              <a:t>("Perfect\n");}</a:t>
+              <a:t>else if(j==0)</a:t>
             </a:r>
             <a:br>
               <a:rPr lang="en-US" altLang="zh-CN" sz="1200" dirty="0">
@@ -20551,7 +20602,7 @@
               <a:rPr lang="en-US" altLang="zh-CN" sz="1200" dirty="0">
                 <a:latin typeface="Consolas" panose="020B0609020204030204" pitchFamily="49" charset="0"/>
               </a:rPr>
-              <a:t>else if(j&lt;n)</a:t>
+              <a:t>{</a:t>
             </a:r>
             <a:br>
               <a:rPr lang="en-US" altLang="zh-CN" sz="1200" dirty="0">
@@ -20559,10 +20610,16 @@
               </a:rPr>
             </a:br>
             <a:r>
+              <a:rPr lang="en-US" altLang="zh-CN" sz="1200" dirty="0" err="1">
+                <a:latin typeface="Consolas" panose="020B0609020204030204" pitchFamily="49" charset="0"/>
+              </a:rPr>
+              <a:t>printf</a:t>
+            </a:r>
+            <a:r>
               <a:rPr lang="en-US" altLang="zh-CN" sz="1200" dirty="0">
                 <a:latin typeface="Consolas" panose="020B0609020204030204" pitchFamily="49" charset="0"/>
               </a:rPr>
-              <a:t>{</a:t>
+              <a:t>("Terrible\n");</a:t>
             </a:r>
             <a:br>
               <a:rPr lang="en-US" altLang="zh-CN" sz="1200" dirty="0">
@@ -20570,28 +20627,10 @@
               </a:rPr>
             </a:br>
             <a:r>
-              <a:rPr lang="en-US" altLang="zh-CN" sz="1200" dirty="0" err="1">
-                <a:latin typeface="Consolas" panose="020B0609020204030204" pitchFamily="49" charset="0"/>
-              </a:rPr>
-              <a:t>printf</a:t>
-            </a:r>
-            <a:r>
               <a:rPr lang="en-US" altLang="zh-CN" sz="1200" dirty="0">
                 <a:latin typeface="Consolas" panose="020B0609020204030204" pitchFamily="49" charset="0"/>
               </a:rPr>
-              <a:t>("%d\</a:t>
-            </a:r>
-            <a:r>
-              <a:rPr lang="en-US" altLang="zh-CN" sz="1200" dirty="0" err="1">
-                <a:latin typeface="Consolas" panose="020B0609020204030204" pitchFamily="49" charset="0"/>
-              </a:rPr>
-              <a:t>n",j</a:t>
-            </a:r>
-            <a:r>
-              <a:rPr lang="en-US" altLang="zh-CN" sz="1200" dirty="0">
-                <a:latin typeface="Consolas" panose="020B0609020204030204" pitchFamily="49" charset="0"/>
-              </a:rPr>
-              <a:t>);</a:t>
+              <a:t>}</a:t>
             </a:r>
             <a:br>
               <a:rPr lang="en-US" altLang="zh-CN" sz="1200" dirty="0">
@@ -20613,107 +20652,30 @@
               <a:rPr lang="en-US" altLang="zh-CN" sz="1200" dirty="0">
                 <a:latin typeface="Consolas" panose="020B0609020204030204" pitchFamily="49" charset="0"/>
               </a:rPr>
-              <a:t>else if(j==0)</a:t>
+              <a:t>return 0;</a:t>
+            </a:r>
+            <a:r>
+              <a:rPr lang="en-US" altLang="zh-CN" sz="1200">
+                <a:latin typeface="Consolas" panose="020B0609020204030204" pitchFamily="49" charset="0"/>
+              </a:rPr>
+              <a:t/>
             </a:r>
             <a:br>
+              <a:rPr lang="en-US" altLang="zh-CN" sz="1200">
+                <a:latin typeface="Consolas" panose="020B0609020204030204" pitchFamily="49" charset="0"/>
+              </a:rPr>
+            </a:br>
+            <a:r>
+              <a:rPr lang="en-US" altLang="zh-CN" sz="1200" smtClean="0">
+                <a:latin typeface="Consolas" panose="020B0609020204030204" pitchFamily="49" charset="0"/>
+              </a:rPr>
+              <a:t>}</a:t>
+            </a:r>
+            <a:r>
               <a:rPr lang="en-US" altLang="zh-CN" sz="1200" dirty="0">
                 <a:latin typeface="Consolas" panose="020B0609020204030204" pitchFamily="49" charset="0"/>
               </a:rPr>
-            </a:br>
-            <a:r>
-              <a:rPr lang="en-US" altLang="zh-CN" sz="1200" dirty="0">
-                <a:latin typeface="Consolas" panose="020B0609020204030204" pitchFamily="49" charset="0"/>
-              </a:rPr>
-              <a:t>{</a:t>
-            </a:r>
-            <a:br>
-              <a:rPr lang="en-US" altLang="zh-CN" sz="1200" dirty="0">
-                <a:latin typeface="Consolas" panose="020B0609020204030204" pitchFamily="49" charset="0"/>
-              </a:rPr>
-            </a:br>
-            <a:r>
-              <a:rPr lang="en-US" altLang="zh-CN" sz="1200" dirty="0" err="1">
-                <a:latin typeface="Consolas" panose="020B0609020204030204" pitchFamily="49" charset="0"/>
-              </a:rPr>
-              <a:t>printf</a:t>
-            </a:r>
-            <a:r>
-              <a:rPr lang="en-US" altLang="zh-CN" sz="1200" dirty="0">
-                <a:latin typeface="Consolas" panose="020B0609020204030204" pitchFamily="49" charset="0"/>
-              </a:rPr>
-              <a:t>("Terrible\n");</a:t>
-            </a:r>
-            <a:br>
-              <a:rPr lang="en-US" altLang="zh-CN" sz="1200" dirty="0">
-                <a:latin typeface="Consolas" panose="020B0609020204030204" pitchFamily="49" charset="0"/>
-              </a:rPr>
-            </a:br>
-            <a:r>
-              <a:rPr lang="en-US" altLang="zh-CN" sz="1200" dirty="0">
-                <a:latin typeface="Consolas" panose="020B0609020204030204" pitchFamily="49" charset="0"/>
-              </a:rPr>
-              <a:t>}</a:t>
-            </a:r>
-            <a:br>
-              <a:rPr lang="en-US" altLang="zh-CN" sz="1200" dirty="0">
-                <a:latin typeface="Consolas" panose="020B0609020204030204" pitchFamily="49" charset="0"/>
-              </a:rPr>
-            </a:br>
-            <a:r>
-              <a:rPr lang="en-US" altLang="zh-CN" sz="1200" dirty="0">
-                <a:latin typeface="Consolas" panose="020B0609020204030204" pitchFamily="49" charset="0"/>
-              </a:rPr>
-              <a:t>}</a:t>
-            </a:r>
-            <a:br>
-              <a:rPr lang="en-US" altLang="zh-CN" sz="1200" dirty="0">
-                <a:latin typeface="Consolas" panose="020B0609020204030204" pitchFamily="49" charset="0"/>
-              </a:rPr>
-            </a:br>
-            <a:r>
-              <a:rPr lang="en-US" altLang="zh-CN" sz="1200" dirty="0">
-                <a:latin typeface="Consolas" panose="020B0609020204030204" pitchFamily="49" charset="0"/>
-              </a:rPr>
-              <a:t>return 0;</a:t>
-            </a:r>
-            <a:br>
-              <a:rPr lang="en-US" altLang="zh-CN" sz="1200" dirty="0">
-                <a:latin typeface="Consolas" panose="020B0609020204030204" pitchFamily="49" charset="0"/>
-              </a:rPr>
-            </a:br>
-            <a:r>
-              <a:rPr lang="en-US" altLang="zh-CN" sz="1200" dirty="0">
-                <a:latin typeface="Consolas" panose="020B0609020204030204" pitchFamily="49" charset="0"/>
-              </a:rPr>
-              <a:t>}</a:t>
-            </a:r>
-            <a:br>
-              <a:rPr lang="en-US" altLang="zh-CN" sz="1200" dirty="0">
-                <a:latin typeface="Consolas" panose="020B0609020204030204" pitchFamily="49" charset="0"/>
-              </a:rPr>
-            </a:br>
-            <a:r>
-              <a:rPr lang="en-US" altLang="zh-CN" sz="1200" dirty="0">
-                <a:latin typeface="Consolas" panose="020B0609020204030204" pitchFamily="49" charset="0"/>
-              </a:rPr>
               <a:t/>
-            </a:r>
-            <a:br>
-              <a:rPr lang="en-US" altLang="zh-CN" sz="1200" dirty="0">
-                <a:latin typeface="Consolas" panose="020B0609020204030204" pitchFamily="49" charset="0"/>
-              </a:rPr>
-            </a:br>
-            <a:r>
-              <a:rPr lang="en-US" altLang="zh-CN" sz="1200" dirty="0" err="1">
-                <a:latin typeface="Consolas" panose="020B0609020204030204" pitchFamily="49" charset="0"/>
-              </a:rPr>
-              <a:t>BobHuang</a:t>
-            </a:r>
-            <a:r>
-              <a:rPr lang="en-US" altLang="zh-CN" sz="1200" dirty="0">
-                <a:latin typeface="Consolas" panose="020B0609020204030204" pitchFamily="49" charset="0"/>
-              </a:rPr>
-              <a:t> 2017/11/15 17:31:41</a:t>
             </a:r>
             <a:br>
               <a:rPr lang="en-US" altLang="zh-CN" sz="1200" dirty="0">
@@ -20752,6 +20714,13 @@
   <p:clrMapOvr>
     <a:masterClrMapping/>
   </p:clrMapOvr>
+  <p:timing>
+    <p:tnLst>
+      <p:par>
+        <p:cTn id="1" dur="indefinite" restart="never" nodeType="tmRoot"/>
+      </p:par>
+    </p:tnLst>
+  </p:timing>
 </p:sld>
 </file>
 
@@ -20811,13 +20780,13 @@
         </p:nvSpPr>
         <p:spPr>
           <a:xfrm>
-            <a:off x="1043492" y="1936377"/>
-            <a:ext cx="7488948" cy="2841337"/>
+            <a:off x="1043492" y="1742740"/>
+            <a:ext cx="7488948" cy="2557203"/>
           </a:xfrm>
         </p:spPr>
         <p:txBody>
           <a:bodyPr>
-            <a:normAutofit fontScale="77500" lnSpcReduction="20000"/>
+            <a:normAutofit fontScale="70000" lnSpcReduction="20000"/>
           </a:bodyPr>
           <a:lstStyle/>
           <a:p>
@@ -20985,7 +20954,7 @@
             <a:fld id="{05A93482-8E69-40F7-BCAD-5662A6CADB27}" type="datetime4">
               <a:rPr lang="en-US" smtClean="0"/>
               <a:pPr/>
-              <a:t>February 10, 2018</a:t>
+              <a:t>June 20, 2018</a:t>
             </a:fld>
             <a:endParaRPr lang="en-US"/>
           </a:p>
@@ -21070,7 +21039,7 @@
             <a:fld id="{05A93482-8E69-40F7-BCAD-5662A6CADB27}" type="datetime4">
               <a:rPr lang="en-US" smtClean="0"/>
               <a:pPr/>
-              <a:t>February 10, 2018</a:t>
+              <a:t>June 20, 2018</a:t>
             </a:fld>
             <a:endParaRPr lang="en-US"/>
           </a:p>
@@ -21108,7 +21077,7 @@
         </p:nvSpPr>
         <p:spPr>
           <a:xfrm>
-            <a:off x="755576" y="1129308"/>
+            <a:off x="755576" y="1016378"/>
             <a:ext cx="1440160" cy="11726287"/>
           </a:xfrm>
           <a:prstGeom prst="rect">
@@ -21452,7 +21421,7 @@
         </p:nvSpPr>
         <p:spPr>
           <a:xfrm>
-            <a:off x="2483768" y="1129308"/>
+            <a:off x="2483768" y="1016377"/>
             <a:ext cx="1656184" cy="21144250"/>
           </a:xfrm>
           <a:prstGeom prst="rect">
@@ -21842,7 +21811,7 @@
         </p:nvSpPr>
         <p:spPr>
           <a:xfrm>
-            <a:off x="4355976" y="1158115"/>
+            <a:off x="4355976" y="1042304"/>
             <a:ext cx="1296144" cy="12003286"/>
           </a:xfrm>
           <a:prstGeom prst="rect">
@@ -22108,7 +22077,7 @@
         </p:nvSpPr>
         <p:spPr>
           <a:xfrm>
-            <a:off x="6084168" y="1202485"/>
+            <a:off x="6084168" y="1082237"/>
             <a:ext cx="1800200" cy="22252245"/>
           </a:xfrm>
           <a:prstGeom prst="rect">
@@ -22724,6 +22693,13 @@
   <p:clrMapOvr>
     <a:masterClrMapping/>
   </p:clrMapOvr>
+  <p:timing>
+    <p:tnLst>
+      <p:par>
+        <p:cTn id="1" dur="indefinite" restart="never" nodeType="tmRoot"/>
+      </p:par>
+    </p:tnLst>
+  </p:timing>
 </p:sld>
 </file>
 
@@ -22785,7 +22761,7 @@
             <a:fld id="{05A93482-8E69-40F7-BCAD-5662A6CADB27}" type="datetime4">
               <a:rPr lang="en-US" smtClean="0"/>
               <a:pPr/>
-              <a:t>February 10, 2018</a:t>
+              <a:t>June 20, 2018</a:t>
             </a:fld>
             <a:endParaRPr lang="en-US"/>
           </a:p>
@@ -22881,8 +22857,8 @@
         </p:blipFill>
         <p:spPr bwMode="auto">
           <a:xfrm>
-            <a:off x="1331640" y="2209428"/>
-            <a:ext cx="4714875" cy="2276475"/>
+            <a:off x="1331640" y="1988485"/>
+            <a:ext cx="4714875" cy="2048828"/>
           </a:xfrm>
           <a:prstGeom prst="rect">
             <a:avLst/>
@@ -22922,6 +22898,13 @@
   <p:clrMapOvr>
     <a:masterClrMapping/>
   </p:clrMapOvr>
+  <p:timing>
+    <p:tnLst>
+      <p:par>
+        <p:cTn id="1" dur="indefinite" restart="never" nodeType="tmRoot"/>
+      </p:par>
+    </p:tnLst>
+  </p:timing>
 </p:sld>
 </file>
 
@@ -22954,8 +22937,8 @@
         </p:nvSpPr>
         <p:spPr>
           <a:xfrm>
-            <a:off x="539552" y="265212"/>
-            <a:ext cx="7632848" cy="4752528"/>
+            <a:off x="539552" y="238691"/>
+            <a:ext cx="7632848" cy="4277275"/>
           </a:xfrm>
         </p:spPr>
         <p:txBody>
@@ -22965,1045 +22948,1045 @@
           <a:lstStyle/>
           <a:p>
             <a:r>
-              <a:rPr lang="en-US" altLang="zh-CN" sz="800" dirty="0">
+              <a:rPr lang="en-US" altLang="zh-CN" sz="700" dirty="0">
                 <a:latin typeface="Consolas" panose="020B0609020204030204" pitchFamily="49" charset="0"/>
               </a:rPr>
               <a:t>#include &lt;</a:t>
             </a:r>
             <a:r>
-              <a:rPr lang="en-US" altLang="zh-CN" sz="800" dirty="0" err="1">
+              <a:rPr lang="en-US" altLang="zh-CN" sz="700" dirty="0" err="1">
                 <a:latin typeface="Consolas" panose="020B0609020204030204" pitchFamily="49" charset="0"/>
               </a:rPr>
               <a:t>stdio.h</a:t>
             </a:r>
             <a:r>
-              <a:rPr lang="en-US" altLang="zh-CN" sz="800" dirty="0">
+              <a:rPr lang="en-US" altLang="zh-CN" sz="700" dirty="0">
                 <a:latin typeface="Consolas" panose="020B0609020204030204" pitchFamily="49" charset="0"/>
               </a:rPr>
               <a:t>&gt;</a:t>
             </a:r>
             <a:br>
-              <a:rPr lang="en-US" altLang="zh-CN" sz="800" dirty="0">
+              <a:rPr lang="en-US" altLang="zh-CN" sz="700" dirty="0">
                 <a:latin typeface="Consolas" panose="020B0609020204030204" pitchFamily="49" charset="0"/>
               </a:rPr>
             </a:br>
             <a:r>
-              <a:rPr lang="en-US" altLang="zh-CN" sz="800" dirty="0" err="1">
+              <a:rPr lang="en-US" altLang="zh-CN" sz="700" dirty="0" err="1">
                 <a:latin typeface="Consolas" panose="020B0609020204030204" pitchFamily="49" charset="0"/>
               </a:rPr>
               <a:t>int</a:t>
             </a:r>
             <a:r>
-              <a:rPr lang="en-US" altLang="zh-CN" sz="800" dirty="0">
+              <a:rPr lang="en-US" altLang="zh-CN" sz="700" dirty="0">
                 <a:latin typeface="Consolas" panose="020B0609020204030204" pitchFamily="49" charset="0"/>
               </a:rPr>
               <a:t> main(</a:t>
             </a:r>
             <a:r>
-              <a:rPr lang="en-US" altLang="zh-CN" sz="800" dirty="0" err="1">
+              <a:rPr lang="en-US" altLang="zh-CN" sz="700" dirty="0" err="1">
                 <a:latin typeface="Consolas" panose="020B0609020204030204" pitchFamily="49" charset="0"/>
               </a:rPr>
               <a:t>int</a:t>
             </a:r>
             <a:r>
-              <a:rPr lang="en-US" altLang="zh-CN" sz="800" dirty="0">
+              <a:rPr lang="en-US" altLang="zh-CN" sz="700" dirty="0">
                 <a:latin typeface="Consolas" panose="020B0609020204030204" pitchFamily="49" charset="0"/>
               </a:rPr>
               <a:t> </a:t>
             </a:r>
             <a:r>
-              <a:rPr lang="en-US" altLang="zh-CN" sz="800" dirty="0" err="1">
+              <a:rPr lang="en-US" altLang="zh-CN" sz="700" dirty="0" err="1">
                 <a:latin typeface="Consolas" panose="020B0609020204030204" pitchFamily="49" charset="0"/>
               </a:rPr>
               <a:t>argc</a:t>
             </a:r>
             <a:r>
-              <a:rPr lang="en-US" altLang="zh-CN" sz="800" dirty="0">
+              <a:rPr lang="en-US" altLang="zh-CN" sz="700" dirty="0">
                 <a:latin typeface="Consolas" panose="020B0609020204030204" pitchFamily="49" charset="0"/>
               </a:rPr>
               <a:t>, char *</a:t>
             </a:r>
             <a:r>
-              <a:rPr lang="en-US" altLang="zh-CN" sz="800" dirty="0" err="1">
+              <a:rPr lang="en-US" altLang="zh-CN" sz="700" dirty="0" err="1">
                 <a:latin typeface="Consolas" panose="020B0609020204030204" pitchFamily="49" charset="0"/>
               </a:rPr>
               <a:t>argv</a:t>
             </a:r>
             <a:r>
-              <a:rPr lang="en-US" altLang="zh-CN" sz="800" dirty="0">
+              <a:rPr lang="en-US" altLang="zh-CN" sz="700" dirty="0">
                 <a:latin typeface="Consolas" panose="020B0609020204030204" pitchFamily="49" charset="0"/>
               </a:rPr>
               <a:t>[])</a:t>
             </a:r>
             <a:br>
-              <a:rPr lang="en-US" altLang="zh-CN" sz="800" dirty="0">
+              <a:rPr lang="en-US" altLang="zh-CN" sz="700" dirty="0">
                 <a:latin typeface="Consolas" panose="020B0609020204030204" pitchFamily="49" charset="0"/>
               </a:rPr>
             </a:br>
             <a:r>
-              <a:rPr lang="en-US" altLang="zh-CN" sz="800" dirty="0">
+              <a:rPr lang="en-US" altLang="zh-CN" sz="700" dirty="0">
                 <a:latin typeface="Consolas" panose="020B0609020204030204" pitchFamily="49" charset="0"/>
               </a:rPr>
               <a:t>{</a:t>
             </a:r>
             <a:br>
-              <a:rPr lang="en-US" altLang="zh-CN" sz="800" dirty="0">
+              <a:rPr lang="en-US" altLang="zh-CN" sz="700" dirty="0">
                 <a:latin typeface="Consolas" panose="020B0609020204030204" pitchFamily="49" charset="0"/>
               </a:rPr>
             </a:br>
             <a:r>
-              <a:rPr lang="en-US" altLang="zh-CN" sz="800" dirty="0" err="1">
+              <a:rPr lang="en-US" altLang="zh-CN" sz="700" dirty="0" err="1">
                 <a:latin typeface="Consolas" panose="020B0609020204030204" pitchFamily="49" charset="0"/>
               </a:rPr>
               <a:t>int</a:t>
             </a:r>
             <a:r>
-              <a:rPr lang="en-US" altLang="zh-CN" sz="800" dirty="0">
+              <a:rPr lang="en-US" altLang="zh-CN" sz="700" dirty="0">
                 <a:latin typeface="Consolas" panose="020B0609020204030204" pitchFamily="49" charset="0"/>
               </a:rPr>
               <a:t> </a:t>
             </a:r>
             <a:r>
-              <a:rPr lang="en-US" altLang="zh-CN" sz="800" dirty="0" err="1">
+              <a:rPr lang="en-US" altLang="zh-CN" sz="700" dirty="0" err="1">
                 <a:latin typeface="Consolas" panose="020B0609020204030204" pitchFamily="49" charset="0"/>
               </a:rPr>
               <a:t>ly</a:t>
             </a:r>
             <a:r>
-              <a:rPr lang="en-US" altLang="zh-CN" sz="800" dirty="0">
+              <a:rPr lang="en-US" altLang="zh-CN" sz="700" dirty="0">
                 <a:latin typeface="Consolas" panose="020B0609020204030204" pitchFamily="49" charset="0"/>
               </a:rPr>
               <a:t>[11];</a:t>
             </a:r>
             <a:br>
-              <a:rPr lang="en-US" altLang="zh-CN" sz="800" dirty="0">
+              <a:rPr lang="en-US" altLang="zh-CN" sz="700" dirty="0">
                 <a:latin typeface="Consolas" panose="020B0609020204030204" pitchFamily="49" charset="0"/>
               </a:rPr>
             </a:br>
             <a:r>
-              <a:rPr lang="en-US" altLang="zh-CN" sz="800" dirty="0" err="1">
+              <a:rPr lang="en-US" altLang="zh-CN" sz="700" dirty="0" err="1">
                 <a:latin typeface="Consolas" panose="020B0609020204030204" pitchFamily="49" charset="0"/>
               </a:rPr>
               <a:t>int</a:t>
             </a:r>
             <a:r>
-              <a:rPr lang="en-US" altLang="zh-CN" sz="800" dirty="0">
+              <a:rPr lang="en-US" altLang="zh-CN" sz="700" dirty="0">
                 <a:latin typeface="Consolas" panose="020B0609020204030204" pitchFamily="49" charset="0"/>
               </a:rPr>
               <a:t> </a:t>
             </a:r>
             <a:r>
-              <a:rPr lang="en-US" altLang="zh-CN" sz="800" dirty="0" err="1">
+              <a:rPr lang="en-US" altLang="zh-CN" sz="700" dirty="0" err="1">
                 <a:latin typeface="Consolas" panose="020B0609020204030204" pitchFamily="49" charset="0"/>
               </a:rPr>
               <a:t>max,min,n,i,j</a:t>
             </a:r>
             <a:r>
-              <a:rPr lang="en-US" altLang="zh-CN" sz="800" dirty="0">
+              <a:rPr lang="en-US" altLang="zh-CN" sz="700" dirty="0">
                 <a:latin typeface="Consolas" panose="020B0609020204030204" pitchFamily="49" charset="0"/>
               </a:rPr>
               <a:t>;</a:t>
             </a:r>
             <a:br>
-              <a:rPr lang="en-US" altLang="zh-CN" sz="800" dirty="0">
+              <a:rPr lang="en-US" altLang="zh-CN" sz="700" dirty="0">
                 <a:latin typeface="Consolas" panose="020B0609020204030204" pitchFamily="49" charset="0"/>
               </a:rPr>
             </a:br>
             <a:r>
-              <a:rPr lang="en-US" altLang="zh-CN" sz="800" dirty="0" err="1">
+              <a:rPr lang="en-US" altLang="zh-CN" sz="700" dirty="0" err="1">
                 <a:latin typeface="Consolas" panose="020B0609020204030204" pitchFamily="49" charset="0"/>
               </a:rPr>
               <a:t>int</a:t>
             </a:r>
             <a:r>
-              <a:rPr lang="en-US" altLang="zh-CN" sz="800" dirty="0">
+              <a:rPr lang="en-US" altLang="zh-CN" sz="700" dirty="0">
                 <a:latin typeface="Consolas" panose="020B0609020204030204" pitchFamily="49" charset="0"/>
               </a:rPr>
               <a:t> a=0,b=0,tyx=0,crq=0;</a:t>
             </a:r>
             <a:br>
-              <a:rPr lang="en-US" altLang="zh-CN" sz="800" dirty="0">
+              <a:rPr lang="en-US" altLang="zh-CN" sz="700" dirty="0">
                 <a:latin typeface="Consolas" panose="020B0609020204030204" pitchFamily="49" charset="0"/>
               </a:rPr>
             </a:br>
             <a:r>
-              <a:rPr lang="en-US" altLang="zh-CN" sz="800" dirty="0" err="1">
+              <a:rPr lang="en-US" altLang="zh-CN" sz="700" dirty="0" err="1">
                 <a:latin typeface="Consolas" panose="020B0609020204030204" pitchFamily="49" charset="0"/>
               </a:rPr>
               <a:t>scanf</a:t>
             </a:r>
             <a:r>
-              <a:rPr lang="en-US" altLang="zh-CN" sz="800" dirty="0">
+              <a:rPr lang="en-US" altLang="zh-CN" sz="700" dirty="0">
                 <a:latin typeface="Consolas" panose="020B0609020204030204" pitchFamily="49" charset="0"/>
               </a:rPr>
               <a:t>("%</a:t>
             </a:r>
             <a:r>
-              <a:rPr lang="en-US" altLang="zh-CN" sz="800" dirty="0" err="1">
+              <a:rPr lang="en-US" altLang="zh-CN" sz="700" dirty="0" err="1">
                 <a:latin typeface="Consolas" panose="020B0609020204030204" pitchFamily="49" charset="0"/>
               </a:rPr>
               <a:t>d",&amp;n</a:t>
             </a:r>
             <a:r>
-              <a:rPr lang="en-US" altLang="zh-CN" sz="800" dirty="0">
+              <a:rPr lang="en-US" altLang="zh-CN" sz="700" dirty="0">
                 <a:latin typeface="Consolas" panose="020B0609020204030204" pitchFamily="49" charset="0"/>
               </a:rPr>
               <a:t>);</a:t>
             </a:r>
             <a:br>
-              <a:rPr lang="en-US" altLang="zh-CN" sz="800" dirty="0">
+              <a:rPr lang="en-US" altLang="zh-CN" sz="700" dirty="0">
                 <a:latin typeface="Consolas" panose="020B0609020204030204" pitchFamily="49" charset="0"/>
               </a:rPr>
             </a:br>
             <a:r>
-              <a:rPr lang="en-US" altLang="zh-CN" sz="800" dirty="0">
+              <a:rPr lang="en-US" altLang="zh-CN" sz="700" dirty="0">
                 <a:latin typeface="Consolas" panose="020B0609020204030204" pitchFamily="49" charset="0"/>
               </a:rPr>
               <a:t>for(</a:t>
             </a:r>
             <a:r>
-              <a:rPr lang="en-US" altLang="zh-CN" sz="800" dirty="0" err="1">
+              <a:rPr lang="en-US" altLang="zh-CN" sz="700" dirty="0" err="1">
                 <a:latin typeface="Consolas" panose="020B0609020204030204" pitchFamily="49" charset="0"/>
               </a:rPr>
               <a:t>i</a:t>
             </a:r>
             <a:r>
-              <a:rPr lang="en-US" altLang="zh-CN" sz="800" dirty="0">
+              <a:rPr lang="en-US" altLang="zh-CN" sz="700" dirty="0">
                 <a:latin typeface="Consolas" panose="020B0609020204030204" pitchFamily="49" charset="0"/>
               </a:rPr>
               <a:t>=0;i&lt;</a:t>
             </a:r>
             <a:r>
-              <a:rPr lang="en-US" altLang="zh-CN" sz="800" dirty="0" err="1">
+              <a:rPr lang="en-US" altLang="zh-CN" sz="700" dirty="0" err="1">
                 <a:latin typeface="Consolas" panose="020B0609020204030204" pitchFamily="49" charset="0"/>
               </a:rPr>
               <a:t>n;i</a:t>
             </a:r>
             <a:r>
-              <a:rPr lang="en-US" altLang="zh-CN" sz="800" dirty="0">
+              <a:rPr lang="en-US" altLang="zh-CN" sz="700" dirty="0">
                 <a:latin typeface="Consolas" panose="020B0609020204030204" pitchFamily="49" charset="0"/>
               </a:rPr>
               <a:t>++)</a:t>
             </a:r>
             <a:br>
-              <a:rPr lang="en-US" altLang="zh-CN" sz="800" dirty="0">
+              <a:rPr lang="en-US" altLang="zh-CN" sz="700" dirty="0">
                 <a:latin typeface="Consolas" panose="020B0609020204030204" pitchFamily="49" charset="0"/>
               </a:rPr>
             </a:br>
             <a:r>
-              <a:rPr lang="en-US" altLang="zh-CN" sz="800" dirty="0">
+              <a:rPr lang="en-US" altLang="zh-CN" sz="700" dirty="0">
                 <a:latin typeface="Consolas" panose="020B0609020204030204" pitchFamily="49" charset="0"/>
               </a:rPr>
               <a:t>{</a:t>
             </a:r>
             <a:br>
-              <a:rPr lang="en-US" altLang="zh-CN" sz="800" dirty="0">
+              <a:rPr lang="en-US" altLang="zh-CN" sz="700" dirty="0">
                 <a:latin typeface="Consolas" panose="020B0609020204030204" pitchFamily="49" charset="0"/>
               </a:rPr>
             </a:br>
             <a:r>
-              <a:rPr lang="en-US" altLang="zh-CN" sz="800" dirty="0" err="1">
+              <a:rPr lang="en-US" altLang="zh-CN" sz="700" dirty="0" err="1">
                 <a:latin typeface="Consolas" panose="020B0609020204030204" pitchFamily="49" charset="0"/>
               </a:rPr>
               <a:t>scanf</a:t>
             </a:r>
             <a:r>
-              <a:rPr lang="en-US" altLang="zh-CN" sz="800" dirty="0">
+              <a:rPr lang="en-US" altLang="zh-CN" sz="700" dirty="0">
                 <a:latin typeface="Consolas" panose="020B0609020204030204" pitchFamily="49" charset="0"/>
               </a:rPr>
               <a:t>("%d",&amp;</a:t>
             </a:r>
             <a:r>
-              <a:rPr lang="en-US" altLang="zh-CN" sz="800" dirty="0" err="1">
+              <a:rPr lang="en-US" altLang="zh-CN" sz="700" dirty="0" err="1">
                 <a:latin typeface="Consolas" panose="020B0609020204030204" pitchFamily="49" charset="0"/>
               </a:rPr>
               <a:t>ly</a:t>
             </a:r>
             <a:r>
-              <a:rPr lang="en-US" altLang="zh-CN" sz="800" dirty="0">
+              <a:rPr lang="en-US" altLang="zh-CN" sz="700" dirty="0">
                 <a:latin typeface="Consolas" panose="020B0609020204030204" pitchFamily="49" charset="0"/>
               </a:rPr>
               <a:t>[</a:t>
             </a:r>
             <a:r>
-              <a:rPr lang="en-US" altLang="zh-CN" sz="800" dirty="0" err="1">
+              <a:rPr lang="en-US" altLang="zh-CN" sz="700" dirty="0" err="1">
                 <a:latin typeface="Consolas" panose="020B0609020204030204" pitchFamily="49" charset="0"/>
               </a:rPr>
               <a:t>i</a:t>
             </a:r>
             <a:r>
-              <a:rPr lang="en-US" altLang="zh-CN" sz="800" dirty="0">
+              <a:rPr lang="en-US" altLang="zh-CN" sz="700" dirty="0">
                 <a:latin typeface="Consolas" panose="020B0609020204030204" pitchFamily="49" charset="0"/>
               </a:rPr>
               <a:t>]);</a:t>
             </a:r>
             <a:br>
-              <a:rPr lang="en-US" altLang="zh-CN" sz="800" dirty="0">
+              <a:rPr lang="en-US" altLang="zh-CN" sz="700" dirty="0">
                 <a:latin typeface="Consolas" panose="020B0609020204030204" pitchFamily="49" charset="0"/>
               </a:rPr>
             </a:br>
             <a:r>
-              <a:rPr lang="en-US" altLang="zh-CN" sz="800" dirty="0">
+              <a:rPr lang="en-US" altLang="zh-CN" sz="700" dirty="0">
                 <a:latin typeface="Consolas" panose="020B0609020204030204" pitchFamily="49" charset="0"/>
               </a:rPr>
               <a:t>}</a:t>
             </a:r>
             <a:br>
-              <a:rPr lang="en-US" altLang="zh-CN" sz="800" dirty="0">
+              <a:rPr lang="en-US" altLang="zh-CN" sz="700" dirty="0">
                 <a:latin typeface="Consolas" panose="020B0609020204030204" pitchFamily="49" charset="0"/>
               </a:rPr>
             </a:br>
             <a:r>
-              <a:rPr lang="en-US" altLang="zh-CN" sz="800" dirty="0">
+              <a:rPr lang="en-US" altLang="zh-CN" sz="700" dirty="0">
                 <a:latin typeface="Consolas" panose="020B0609020204030204" pitchFamily="49" charset="0"/>
               </a:rPr>
               <a:t>max=</a:t>
             </a:r>
             <a:r>
-              <a:rPr lang="en-US" altLang="zh-CN" sz="800" dirty="0" err="1">
+              <a:rPr lang="en-US" altLang="zh-CN" sz="700" dirty="0" err="1">
                 <a:latin typeface="Consolas" panose="020B0609020204030204" pitchFamily="49" charset="0"/>
               </a:rPr>
               <a:t>ly</a:t>
             </a:r>
             <a:r>
-              <a:rPr lang="en-US" altLang="zh-CN" sz="800" dirty="0">
+              <a:rPr lang="en-US" altLang="zh-CN" sz="700" dirty="0">
                 <a:latin typeface="Consolas" panose="020B0609020204030204" pitchFamily="49" charset="0"/>
               </a:rPr>
               <a:t>[0];</a:t>
             </a:r>
             <a:br>
-              <a:rPr lang="en-US" altLang="zh-CN" sz="800" dirty="0">
+              <a:rPr lang="en-US" altLang="zh-CN" sz="700" dirty="0">
                 <a:latin typeface="Consolas" panose="020B0609020204030204" pitchFamily="49" charset="0"/>
               </a:rPr>
             </a:br>
             <a:r>
-              <a:rPr lang="en-US" altLang="zh-CN" sz="800" dirty="0">
+              <a:rPr lang="en-US" altLang="zh-CN" sz="700" dirty="0">
                 <a:latin typeface="Consolas" panose="020B0609020204030204" pitchFamily="49" charset="0"/>
               </a:rPr>
               <a:t>min=</a:t>
             </a:r>
             <a:r>
-              <a:rPr lang="en-US" altLang="zh-CN" sz="800" dirty="0" err="1">
+              <a:rPr lang="en-US" altLang="zh-CN" sz="700" dirty="0" err="1">
                 <a:latin typeface="Consolas" panose="020B0609020204030204" pitchFamily="49" charset="0"/>
               </a:rPr>
               <a:t>ly</a:t>
             </a:r>
             <a:r>
-              <a:rPr lang="en-US" altLang="zh-CN" sz="800" dirty="0">
+              <a:rPr lang="en-US" altLang="zh-CN" sz="700" dirty="0">
                 <a:latin typeface="Consolas" panose="020B0609020204030204" pitchFamily="49" charset="0"/>
               </a:rPr>
               <a:t>[0];</a:t>
             </a:r>
             <a:br>
-              <a:rPr lang="en-US" altLang="zh-CN" sz="800" dirty="0">
+              <a:rPr lang="en-US" altLang="zh-CN" sz="700" dirty="0">
                 <a:latin typeface="Consolas" panose="020B0609020204030204" pitchFamily="49" charset="0"/>
               </a:rPr>
             </a:br>
             <a:r>
-              <a:rPr lang="en-US" altLang="zh-CN" sz="800" dirty="0">
+              <a:rPr lang="en-US" altLang="zh-CN" sz="700" dirty="0">
                 <a:latin typeface="Consolas" panose="020B0609020204030204" pitchFamily="49" charset="0"/>
               </a:rPr>
               <a:t>for(</a:t>
             </a:r>
             <a:r>
-              <a:rPr lang="en-US" altLang="zh-CN" sz="800" dirty="0" err="1">
+              <a:rPr lang="en-US" altLang="zh-CN" sz="700" dirty="0" err="1">
                 <a:latin typeface="Consolas" panose="020B0609020204030204" pitchFamily="49" charset="0"/>
               </a:rPr>
               <a:t>i</a:t>
             </a:r>
             <a:r>
-              <a:rPr lang="en-US" altLang="zh-CN" sz="800" dirty="0">
+              <a:rPr lang="en-US" altLang="zh-CN" sz="700" dirty="0">
                 <a:latin typeface="Consolas" panose="020B0609020204030204" pitchFamily="49" charset="0"/>
               </a:rPr>
               <a:t>=1;i&lt;</a:t>
             </a:r>
             <a:r>
-              <a:rPr lang="en-US" altLang="zh-CN" sz="800" dirty="0" err="1">
+              <a:rPr lang="en-US" altLang="zh-CN" sz="700" dirty="0" err="1">
                 <a:latin typeface="Consolas" panose="020B0609020204030204" pitchFamily="49" charset="0"/>
               </a:rPr>
               <a:t>n;i</a:t>
             </a:r>
             <a:r>
-              <a:rPr lang="en-US" altLang="zh-CN" sz="800" dirty="0">
+              <a:rPr lang="en-US" altLang="zh-CN" sz="700" dirty="0">
                 <a:latin typeface="Consolas" panose="020B0609020204030204" pitchFamily="49" charset="0"/>
               </a:rPr>
               <a:t>++)</a:t>
             </a:r>
             <a:br>
-              <a:rPr lang="en-US" altLang="zh-CN" sz="800" dirty="0">
+              <a:rPr lang="en-US" altLang="zh-CN" sz="700" dirty="0">
                 <a:latin typeface="Consolas" panose="020B0609020204030204" pitchFamily="49" charset="0"/>
               </a:rPr>
             </a:br>
             <a:r>
-              <a:rPr lang="en-US" altLang="zh-CN" sz="800" dirty="0">
+              <a:rPr lang="en-US" altLang="zh-CN" sz="700" dirty="0">
                 <a:latin typeface="Consolas" panose="020B0609020204030204" pitchFamily="49" charset="0"/>
               </a:rPr>
               <a:t>{</a:t>
             </a:r>
             <a:br>
-              <a:rPr lang="en-US" altLang="zh-CN" sz="800" dirty="0">
+              <a:rPr lang="en-US" altLang="zh-CN" sz="700" dirty="0">
                 <a:latin typeface="Consolas" panose="020B0609020204030204" pitchFamily="49" charset="0"/>
               </a:rPr>
             </a:br>
             <a:r>
-              <a:rPr lang="en-US" altLang="zh-CN" sz="800" dirty="0">
+              <a:rPr lang="en-US" altLang="zh-CN" sz="700" dirty="0">
                 <a:latin typeface="Consolas" panose="020B0609020204030204" pitchFamily="49" charset="0"/>
               </a:rPr>
               <a:t>if(</a:t>
             </a:r>
             <a:r>
-              <a:rPr lang="en-US" altLang="zh-CN" sz="800" dirty="0" err="1">
+              <a:rPr lang="en-US" altLang="zh-CN" sz="700" dirty="0" err="1">
                 <a:latin typeface="Consolas" panose="020B0609020204030204" pitchFamily="49" charset="0"/>
               </a:rPr>
               <a:t>ly</a:t>
             </a:r>
             <a:r>
-              <a:rPr lang="en-US" altLang="zh-CN" sz="800" dirty="0">
+              <a:rPr lang="en-US" altLang="zh-CN" sz="700" dirty="0">
                 <a:latin typeface="Consolas" panose="020B0609020204030204" pitchFamily="49" charset="0"/>
               </a:rPr>
               <a:t>[</a:t>
             </a:r>
             <a:r>
-              <a:rPr lang="en-US" altLang="zh-CN" sz="800" dirty="0" err="1">
+              <a:rPr lang="en-US" altLang="zh-CN" sz="700" dirty="0" err="1">
                 <a:latin typeface="Consolas" panose="020B0609020204030204" pitchFamily="49" charset="0"/>
               </a:rPr>
               <a:t>i</a:t>
             </a:r>
             <a:r>
-              <a:rPr lang="en-US" altLang="zh-CN" sz="800" dirty="0">
+              <a:rPr lang="en-US" altLang="zh-CN" sz="700" dirty="0">
                 <a:latin typeface="Consolas" panose="020B0609020204030204" pitchFamily="49" charset="0"/>
               </a:rPr>
               <a:t>]&gt;=max)</a:t>
             </a:r>
             <a:br>
-              <a:rPr lang="en-US" altLang="zh-CN" sz="800" dirty="0">
+              <a:rPr lang="en-US" altLang="zh-CN" sz="700" dirty="0">
                 <a:latin typeface="Consolas" panose="020B0609020204030204" pitchFamily="49" charset="0"/>
               </a:rPr>
             </a:br>
             <a:r>
-              <a:rPr lang="en-US" altLang="zh-CN" sz="800" dirty="0">
+              <a:rPr lang="en-US" altLang="zh-CN" sz="700" dirty="0">
                 <a:latin typeface="Consolas" panose="020B0609020204030204" pitchFamily="49" charset="0"/>
               </a:rPr>
               <a:t>{ </a:t>
             </a:r>
             <a:br>
-              <a:rPr lang="en-US" altLang="zh-CN" sz="800" dirty="0">
+              <a:rPr lang="en-US" altLang="zh-CN" sz="700" dirty="0">
                 <a:latin typeface="Consolas" panose="020B0609020204030204" pitchFamily="49" charset="0"/>
               </a:rPr>
             </a:br>
             <a:r>
-              <a:rPr lang="en-US" altLang="zh-CN" sz="800" dirty="0">
+              <a:rPr lang="en-US" altLang="zh-CN" sz="700" dirty="0">
                 <a:latin typeface="Consolas" panose="020B0609020204030204" pitchFamily="49" charset="0"/>
               </a:rPr>
               <a:t>max=</a:t>
             </a:r>
             <a:r>
-              <a:rPr lang="en-US" altLang="zh-CN" sz="800" dirty="0" err="1">
+              <a:rPr lang="en-US" altLang="zh-CN" sz="700" dirty="0" err="1">
                 <a:latin typeface="Consolas" panose="020B0609020204030204" pitchFamily="49" charset="0"/>
               </a:rPr>
               <a:t>ly</a:t>
             </a:r>
             <a:r>
-              <a:rPr lang="en-US" altLang="zh-CN" sz="800" dirty="0">
+              <a:rPr lang="en-US" altLang="zh-CN" sz="700" dirty="0">
                 <a:latin typeface="Consolas" panose="020B0609020204030204" pitchFamily="49" charset="0"/>
               </a:rPr>
               <a:t>[</a:t>
             </a:r>
             <a:r>
-              <a:rPr lang="en-US" altLang="zh-CN" sz="800" dirty="0" err="1">
+              <a:rPr lang="en-US" altLang="zh-CN" sz="700" dirty="0" err="1">
                 <a:latin typeface="Consolas" panose="020B0609020204030204" pitchFamily="49" charset="0"/>
               </a:rPr>
               <a:t>i</a:t>
             </a:r>
             <a:r>
-              <a:rPr lang="en-US" altLang="zh-CN" sz="800" dirty="0">
+              <a:rPr lang="en-US" altLang="zh-CN" sz="700" dirty="0">
                 <a:latin typeface="Consolas" panose="020B0609020204030204" pitchFamily="49" charset="0"/>
               </a:rPr>
               <a:t>];</a:t>
             </a:r>
             <a:br>
-              <a:rPr lang="en-US" altLang="zh-CN" sz="800" dirty="0">
+              <a:rPr lang="en-US" altLang="zh-CN" sz="700" dirty="0">
                 <a:latin typeface="Consolas" panose="020B0609020204030204" pitchFamily="49" charset="0"/>
               </a:rPr>
             </a:br>
             <a:r>
-              <a:rPr lang="en-US" altLang="zh-CN" sz="800" dirty="0">
+              <a:rPr lang="en-US" altLang="zh-CN" sz="700" dirty="0">
                 <a:latin typeface="Consolas" panose="020B0609020204030204" pitchFamily="49" charset="0"/>
               </a:rPr>
               <a:t>a=</a:t>
             </a:r>
             <a:r>
-              <a:rPr lang="en-US" altLang="zh-CN" sz="800" dirty="0" err="1">
+              <a:rPr lang="en-US" altLang="zh-CN" sz="700" dirty="0" err="1">
                 <a:latin typeface="Consolas" panose="020B0609020204030204" pitchFamily="49" charset="0"/>
               </a:rPr>
               <a:t>i</a:t>
             </a:r>
             <a:r>
-              <a:rPr lang="en-US" altLang="zh-CN" sz="800" dirty="0">
+              <a:rPr lang="en-US" altLang="zh-CN" sz="700" dirty="0">
                 <a:latin typeface="Consolas" panose="020B0609020204030204" pitchFamily="49" charset="0"/>
               </a:rPr>
               <a:t>;</a:t>
             </a:r>
             <a:br>
-              <a:rPr lang="en-US" altLang="zh-CN" sz="800" dirty="0">
+              <a:rPr lang="en-US" altLang="zh-CN" sz="700" dirty="0">
                 <a:latin typeface="Consolas" panose="020B0609020204030204" pitchFamily="49" charset="0"/>
               </a:rPr>
             </a:br>
             <a:r>
-              <a:rPr lang="en-US" altLang="zh-CN" sz="800" dirty="0">
+              <a:rPr lang="en-US" altLang="zh-CN" sz="700" dirty="0">
                 <a:latin typeface="Consolas" panose="020B0609020204030204" pitchFamily="49" charset="0"/>
               </a:rPr>
               <a:t>}  </a:t>
             </a:r>
             <a:br>
-              <a:rPr lang="en-US" altLang="zh-CN" sz="800" dirty="0">
+              <a:rPr lang="en-US" altLang="zh-CN" sz="700" dirty="0">
                 <a:latin typeface="Consolas" panose="020B0609020204030204" pitchFamily="49" charset="0"/>
               </a:rPr>
             </a:br>
             <a:r>
-              <a:rPr lang="en-US" altLang="zh-CN" sz="800" dirty="0">
+              <a:rPr lang="en-US" altLang="zh-CN" sz="700" dirty="0">
                 <a:latin typeface="Consolas" panose="020B0609020204030204" pitchFamily="49" charset="0"/>
               </a:rPr>
               <a:t>if(</a:t>
             </a:r>
             <a:r>
-              <a:rPr lang="en-US" altLang="zh-CN" sz="800" dirty="0" err="1">
+              <a:rPr lang="en-US" altLang="zh-CN" sz="700" dirty="0" err="1">
                 <a:latin typeface="Consolas" panose="020B0609020204030204" pitchFamily="49" charset="0"/>
               </a:rPr>
               <a:t>ly</a:t>
             </a:r>
             <a:r>
-              <a:rPr lang="en-US" altLang="zh-CN" sz="800" dirty="0">
+              <a:rPr lang="en-US" altLang="zh-CN" sz="700" dirty="0">
                 <a:latin typeface="Consolas" panose="020B0609020204030204" pitchFamily="49" charset="0"/>
               </a:rPr>
               <a:t>[</a:t>
             </a:r>
             <a:r>
-              <a:rPr lang="en-US" altLang="zh-CN" sz="800" dirty="0" err="1">
+              <a:rPr lang="en-US" altLang="zh-CN" sz="700" dirty="0" err="1">
                 <a:latin typeface="Consolas" panose="020B0609020204030204" pitchFamily="49" charset="0"/>
               </a:rPr>
               <a:t>i</a:t>
             </a:r>
             <a:r>
-              <a:rPr lang="en-US" altLang="zh-CN" sz="800" dirty="0">
+              <a:rPr lang="en-US" altLang="zh-CN" sz="700" dirty="0">
                 <a:latin typeface="Consolas" panose="020B0609020204030204" pitchFamily="49" charset="0"/>
               </a:rPr>
               <a:t>]&lt;=min)</a:t>
             </a:r>
             <a:br>
-              <a:rPr lang="en-US" altLang="zh-CN" sz="800" dirty="0">
+              <a:rPr lang="en-US" altLang="zh-CN" sz="700" dirty="0">
                 <a:latin typeface="Consolas" panose="020B0609020204030204" pitchFamily="49" charset="0"/>
               </a:rPr>
             </a:br>
             <a:r>
-              <a:rPr lang="en-US" altLang="zh-CN" sz="800" dirty="0">
+              <a:rPr lang="en-US" altLang="zh-CN" sz="700" dirty="0">
                 <a:latin typeface="Consolas" panose="020B0609020204030204" pitchFamily="49" charset="0"/>
               </a:rPr>
               <a:t>{ </a:t>
             </a:r>
             <a:br>
-              <a:rPr lang="en-US" altLang="zh-CN" sz="800" dirty="0">
+              <a:rPr lang="en-US" altLang="zh-CN" sz="700" dirty="0">
                 <a:latin typeface="Consolas" panose="020B0609020204030204" pitchFamily="49" charset="0"/>
               </a:rPr>
             </a:br>
             <a:r>
-              <a:rPr lang="en-US" altLang="zh-CN" sz="800" dirty="0">
+              <a:rPr lang="en-US" altLang="zh-CN" sz="700" dirty="0">
                 <a:latin typeface="Consolas" panose="020B0609020204030204" pitchFamily="49" charset="0"/>
               </a:rPr>
               <a:t>min=</a:t>
             </a:r>
             <a:r>
-              <a:rPr lang="en-US" altLang="zh-CN" sz="800" dirty="0" err="1">
+              <a:rPr lang="en-US" altLang="zh-CN" sz="700" dirty="0" err="1">
                 <a:latin typeface="Consolas" panose="020B0609020204030204" pitchFamily="49" charset="0"/>
               </a:rPr>
               <a:t>ly</a:t>
             </a:r>
             <a:r>
-              <a:rPr lang="en-US" altLang="zh-CN" sz="800" dirty="0">
+              <a:rPr lang="en-US" altLang="zh-CN" sz="700" dirty="0">
                 <a:latin typeface="Consolas" panose="020B0609020204030204" pitchFamily="49" charset="0"/>
               </a:rPr>
               <a:t>[</a:t>
             </a:r>
             <a:r>
-              <a:rPr lang="en-US" altLang="zh-CN" sz="800" dirty="0" err="1">
+              <a:rPr lang="en-US" altLang="zh-CN" sz="700" dirty="0" err="1">
                 <a:latin typeface="Consolas" panose="020B0609020204030204" pitchFamily="49" charset="0"/>
               </a:rPr>
               <a:t>i</a:t>
             </a:r>
             <a:r>
-              <a:rPr lang="en-US" altLang="zh-CN" sz="800" dirty="0">
+              <a:rPr lang="en-US" altLang="zh-CN" sz="700" dirty="0">
                 <a:latin typeface="Consolas" panose="020B0609020204030204" pitchFamily="49" charset="0"/>
               </a:rPr>
               <a:t>];</a:t>
             </a:r>
             <a:br>
-              <a:rPr lang="en-US" altLang="zh-CN" sz="800" dirty="0">
+              <a:rPr lang="en-US" altLang="zh-CN" sz="700" dirty="0">
                 <a:latin typeface="Consolas" panose="020B0609020204030204" pitchFamily="49" charset="0"/>
               </a:rPr>
             </a:br>
             <a:r>
-              <a:rPr lang="en-US" altLang="zh-CN" sz="800" dirty="0">
+              <a:rPr lang="en-US" altLang="zh-CN" sz="700" dirty="0">
                 <a:latin typeface="Consolas" panose="020B0609020204030204" pitchFamily="49" charset="0"/>
               </a:rPr>
               <a:t>b=</a:t>
             </a:r>
             <a:r>
-              <a:rPr lang="en-US" altLang="zh-CN" sz="800" dirty="0" err="1">
+              <a:rPr lang="en-US" altLang="zh-CN" sz="700" dirty="0" err="1">
                 <a:latin typeface="Consolas" panose="020B0609020204030204" pitchFamily="49" charset="0"/>
               </a:rPr>
               <a:t>i</a:t>
             </a:r>
             <a:r>
-              <a:rPr lang="en-US" altLang="zh-CN" sz="800" dirty="0">
+              <a:rPr lang="en-US" altLang="zh-CN" sz="700" dirty="0">
                 <a:latin typeface="Consolas" panose="020B0609020204030204" pitchFamily="49" charset="0"/>
               </a:rPr>
               <a:t>;</a:t>
             </a:r>
             <a:br>
-              <a:rPr lang="en-US" altLang="zh-CN" sz="800" dirty="0">
+              <a:rPr lang="en-US" altLang="zh-CN" sz="700" dirty="0">
                 <a:latin typeface="Consolas" panose="020B0609020204030204" pitchFamily="49" charset="0"/>
               </a:rPr>
             </a:br>
             <a:r>
-              <a:rPr lang="en-US" altLang="zh-CN" sz="800" dirty="0">
+              <a:rPr lang="en-US" altLang="zh-CN" sz="700" dirty="0">
                 <a:latin typeface="Consolas" panose="020B0609020204030204" pitchFamily="49" charset="0"/>
               </a:rPr>
               <a:t>}  </a:t>
             </a:r>
             <a:br>
-              <a:rPr lang="en-US" altLang="zh-CN" sz="800" dirty="0">
+              <a:rPr lang="en-US" altLang="zh-CN" sz="700" dirty="0">
                 <a:latin typeface="Consolas" panose="020B0609020204030204" pitchFamily="49" charset="0"/>
               </a:rPr>
             </a:br>
             <a:r>
-              <a:rPr lang="en-US" altLang="zh-CN" sz="800" dirty="0">
+              <a:rPr lang="en-US" altLang="zh-CN" sz="700" dirty="0">
                 <a:latin typeface="Consolas" panose="020B0609020204030204" pitchFamily="49" charset="0"/>
               </a:rPr>
               <a:t>}</a:t>
             </a:r>
             <a:br>
-              <a:rPr lang="en-US" altLang="zh-CN" sz="800" dirty="0">
+              <a:rPr lang="en-US" altLang="zh-CN" sz="700" dirty="0">
                 <a:latin typeface="Consolas" panose="020B0609020204030204" pitchFamily="49" charset="0"/>
               </a:rPr>
             </a:br>
             <a:r>
-              <a:rPr lang="en-US" altLang="zh-CN" sz="800" dirty="0">
+              <a:rPr lang="en-US" altLang="zh-CN" sz="700" dirty="0">
                 <a:latin typeface="Consolas" panose="020B0609020204030204" pitchFamily="49" charset="0"/>
               </a:rPr>
               <a:t>       </a:t>
             </a:r>
             <a:r>
-              <a:rPr lang="en-US" altLang="zh-CN" sz="800" dirty="0" err="1">
+              <a:rPr lang="en-US" altLang="zh-CN" sz="700" dirty="0" err="1">
                 <a:latin typeface="Consolas" panose="020B0609020204030204" pitchFamily="49" charset="0"/>
               </a:rPr>
               <a:t>tyx</a:t>
             </a:r>
             <a:r>
-              <a:rPr lang="en-US" altLang="zh-CN" sz="800" dirty="0">
+              <a:rPr lang="en-US" altLang="zh-CN" sz="700" dirty="0">
                 <a:latin typeface="Consolas" panose="020B0609020204030204" pitchFamily="49" charset="0"/>
               </a:rPr>
               <a:t>=</a:t>
             </a:r>
             <a:r>
-              <a:rPr lang="en-US" altLang="zh-CN" sz="800" dirty="0" err="1">
+              <a:rPr lang="en-US" altLang="zh-CN" sz="700" dirty="0" err="1">
                 <a:latin typeface="Consolas" panose="020B0609020204030204" pitchFamily="49" charset="0"/>
               </a:rPr>
               <a:t>ly</a:t>
             </a:r>
             <a:r>
-              <a:rPr lang="en-US" altLang="zh-CN" sz="800" dirty="0">
+              <a:rPr lang="en-US" altLang="zh-CN" sz="700" dirty="0">
                 <a:latin typeface="Consolas" panose="020B0609020204030204" pitchFamily="49" charset="0"/>
               </a:rPr>
               <a:t>[n-1];</a:t>
             </a:r>
             <a:br>
-              <a:rPr lang="en-US" altLang="zh-CN" sz="800" dirty="0">
+              <a:rPr lang="en-US" altLang="zh-CN" sz="700" dirty="0">
                 <a:latin typeface="Consolas" panose="020B0609020204030204" pitchFamily="49" charset="0"/>
               </a:rPr>
             </a:br>
             <a:r>
-              <a:rPr lang="en-US" altLang="zh-CN" sz="800" dirty="0">
+              <a:rPr lang="en-US" altLang="zh-CN" sz="700" dirty="0">
                 <a:latin typeface="Consolas" panose="020B0609020204030204" pitchFamily="49" charset="0"/>
               </a:rPr>
               <a:t>   </a:t>
             </a:r>
             <a:r>
-              <a:rPr lang="en-US" altLang="zh-CN" sz="800" dirty="0" err="1">
+              <a:rPr lang="en-US" altLang="zh-CN" sz="700" dirty="0" err="1">
                 <a:latin typeface="Consolas" panose="020B0609020204030204" pitchFamily="49" charset="0"/>
               </a:rPr>
               <a:t>crq</a:t>
             </a:r>
             <a:r>
-              <a:rPr lang="en-US" altLang="zh-CN" sz="800" dirty="0">
+              <a:rPr lang="en-US" altLang="zh-CN" sz="700" dirty="0">
                 <a:latin typeface="Consolas" panose="020B0609020204030204" pitchFamily="49" charset="0"/>
               </a:rPr>
               <a:t>=</a:t>
             </a:r>
             <a:r>
-              <a:rPr lang="en-US" altLang="zh-CN" sz="800" dirty="0" err="1">
+              <a:rPr lang="en-US" altLang="zh-CN" sz="700" dirty="0" err="1">
                 <a:latin typeface="Consolas" panose="020B0609020204030204" pitchFamily="49" charset="0"/>
               </a:rPr>
               <a:t>ly</a:t>
             </a:r>
             <a:r>
-              <a:rPr lang="en-US" altLang="zh-CN" sz="800" dirty="0">
+              <a:rPr lang="en-US" altLang="zh-CN" sz="700" dirty="0">
                 <a:latin typeface="Consolas" panose="020B0609020204030204" pitchFamily="49" charset="0"/>
               </a:rPr>
               <a:t>[0];</a:t>
             </a:r>
             <a:br>
-              <a:rPr lang="en-US" altLang="zh-CN" sz="800" dirty="0">
+              <a:rPr lang="en-US" altLang="zh-CN" sz="700" dirty="0">
                 <a:latin typeface="Consolas" panose="020B0609020204030204" pitchFamily="49" charset="0"/>
               </a:rPr>
             </a:br>
             <a:r>
-              <a:rPr lang="en-US" altLang="zh-CN" sz="800" dirty="0">
+              <a:rPr lang="en-US" altLang="zh-CN" sz="700" dirty="0">
                 <a:latin typeface="Consolas" panose="020B0609020204030204" pitchFamily="49" charset="0"/>
               </a:rPr>
               <a:t>       </a:t>
             </a:r>
             <a:r>
-              <a:rPr lang="en-US" altLang="zh-CN" sz="800" dirty="0" err="1">
+              <a:rPr lang="en-US" altLang="zh-CN" sz="700" dirty="0" err="1">
                 <a:latin typeface="Consolas" panose="020B0609020204030204" pitchFamily="49" charset="0"/>
               </a:rPr>
               <a:t>ly</a:t>
             </a:r>
             <a:r>
-              <a:rPr lang="en-US" altLang="zh-CN" sz="800" dirty="0">
+              <a:rPr lang="en-US" altLang="zh-CN" sz="700" dirty="0">
                 <a:latin typeface="Consolas" panose="020B0609020204030204" pitchFamily="49" charset="0"/>
               </a:rPr>
               <a:t>[a]=</a:t>
             </a:r>
             <a:r>
-              <a:rPr lang="en-US" altLang="zh-CN" sz="800" dirty="0" err="1">
+              <a:rPr lang="en-US" altLang="zh-CN" sz="700" dirty="0" err="1">
                 <a:latin typeface="Consolas" panose="020B0609020204030204" pitchFamily="49" charset="0"/>
               </a:rPr>
               <a:t>tyx</a:t>
             </a:r>
             <a:r>
-              <a:rPr lang="en-US" altLang="zh-CN" sz="800" dirty="0">
+              <a:rPr lang="en-US" altLang="zh-CN" sz="700" dirty="0">
                 <a:latin typeface="Consolas" panose="020B0609020204030204" pitchFamily="49" charset="0"/>
               </a:rPr>
               <a:t>;      </a:t>
             </a:r>
             <a:br>
-              <a:rPr lang="en-US" altLang="zh-CN" sz="800" dirty="0">
+              <a:rPr lang="en-US" altLang="zh-CN" sz="700" dirty="0">
                 <a:latin typeface="Consolas" panose="020B0609020204030204" pitchFamily="49" charset="0"/>
               </a:rPr>
             </a:br>
             <a:r>
-              <a:rPr lang="en-US" altLang="zh-CN" sz="800" dirty="0">
+              <a:rPr lang="en-US" altLang="zh-CN" sz="700" dirty="0">
                 <a:latin typeface="Consolas" panose="020B0609020204030204" pitchFamily="49" charset="0"/>
               </a:rPr>
               <a:t>       </a:t>
             </a:r>
             <a:r>
-              <a:rPr lang="en-US" altLang="zh-CN" sz="800" dirty="0" err="1">
+              <a:rPr lang="en-US" altLang="zh-CN" sz="700" dirty="0" err="1">
                 <a:latin typeface="Consolas" panose="020B0609020204030204" pitchFamily="49" charset="0"/>
               </a:rPr>
               <a:t>ly</a:t>
             </a:r>
             <a:r>
-              <a:rPr lang="en-US" altLang="zh-CN" sz="800" dirty="0">
+              <a:rPr lang="en-US" altLang="zh-CN" sz="700" dirty="0">
                 <a:latin typeface="Consolas" panose="020B0609020204030204" pitchFamily="49" charset="0"/>
               </a:rPr>
               <a:t>[b]=</a:t>
             </a:r>
             <a:r>
-              <a:rPr lang="en-US" altLang="zh-CN" sz="800" dirty="0" err="1">
+              <a:rPr lang="en-US" altLang="zh-CN" sz="700" dirty="0" err="1">
                 <a:latin typeface="Consolas" panose="020B0609020204030204" pitchFamily="49" charset="0"/>
               </a:rPr>
               <a:t>crq</a:t>
             </a:r>
             <a:r>
-              <a:rPr lang="en-US" altLang="zh-CN" sz="800" dirty="0">
+              <a:rPr lang="en-US" altLang="zh-CN" sz="700" dirty="0">
                 <a:latin typeface="Consolas" panose="020B0609020204030204" pitchFamily="49" charset="0"/>
               </a:rPr>
               <a:t>;</a:t>
             </a:r>
             <a:br>
-              <a:rPr lang="en-US" altLang="zh-CN" sz="800" dirty="0">
+              <a:rPr lang="en-US" altLang="zh-CN" sz="700" dirty="0">
                 <a:latin typeface="Consolas" panose="020B0609020204030204" pitchFamily="49" charset="0"/>
               </a:rPr>
             </a:br>
             <a:r>
-              <a:rPr lang="en-US" altLang="zh-CN" sz="800" dirty="0">
+              <a:rPr lang="en-US" altLang="zh-CN" sz="700" dirty="0">
                 <a:latin typeface="Consolas" panose="020B0609020204030204" pitchFamily="49" charset="0"/>
               </a:rPr>
               <a:t>    </a:t>
             </a:r>
             <a:r>
-              <a:rPr lang="en-US" altLang="zh-CN" sz="800" dirty="0" err="1">
+              <a:rPr lang="en-US" altLang="zh-CN" sz="700" dirty="0" err="1">
                 <a:latin typeface="Consolas" panose="020B0609020204030204" pitchFamily="49" charset="0"/>
               </a:rPr>
               <a:t>ly</a:t>
             </a:r>
             <a:r>
-              <a:rPr lang="en-US" altLang="zh-CN" sz="800" dirty="0">
+              <a:rPr lang="en-US" altLang="zh-CN" sz="700" dirty="0">
                 <a:latin typeface="Consolas" panose="020B0609020204030204" pitchFamily="49" charset="0"/>
               </a:rPr>
               <a:t>[n-1]=max;</a:t>
             </a:r>
             <a:br>
-              <a:rPr lang="en-US" altLang="zh-CN" sz="800" dirty="0">
+              <a:rPr lang="en-US" altLang="zh-CN" sz="700" dirty="0">
                 <a:latin typeface="Consolas" panose="020B0609020204030204" pitchFamily="49" charset="0"/>
               </a:rPr>
             </a:br>
             <a:r>
-              <a:rPr lang="en-US" altLang="zh-CN" sz="800" dirty="0">
+              <a:rPr lang="en-US" altLang="zh-CN" sz="700" dirty="0">
                 <a:latin typeface="Consolas" panose="020B0609020204030204" pitchFamily="49" charset="0"/>
               </a:rPr>
               <a:t>   </a:t>
             </a:r>
             <a:r>
-              <a:rPr lang="en-US" altLang="zh-CN" sz="800" dirty="0" err="1">
+              <a:rPr lang="en-US" altLang="zh-CN" sz="700" dirty="0" err="1">
                 <a:latin typeface="Consolas" panose="020B0609020204030204" pitchFamily="49" charset="0"/>
               </a:rPr>
               <a:t>ly</a:t>
             </a:r>
             <a:r>
-              <a:rPr lang="en-US" altLang="zh-CN" sz="800" dirty="0">
+              <a:rPr lang="en-US" altLang="zh-CN" sz="700" dirty="0">
                 <a:latin typeface="Consolas" panose="020B0609020204030204" pitchFamily="49" charset="0"/>
               </a:rPr>
               <a:t>[0]=min;</a:t>
             </a:r>
             <a:br>
-              <a:rPr lang="en-US" altLang="zh-CN" sz="800" dirty="0">
+              <a:rPr lang="en-US" altLang="zh-CN" sz="700" dirty="0">
                 <a:latin typeface="Consolas" panose="020B0609020204030204" pitchFamily="49" charset="0"/>
               </a:rPr>
             </a:br>
             <a:r>
-              <a:rPr lang="en-US" altLang="zh-CN" sz="800" dirty="0">
+              <a:rPr lang="en-US" altLang="zh-CN" sz="700" dirty="0">
                 <a:latin typeface="Consolas" panose="020B0609020204030204" pitchFamily="49" charset="0"/>
               </a:rPr>
               <a:t>    // </a:t>
             </a:r>
             <a:r>
-              <a:rPr lang="en-US" altLang="zh-CN" sz="800" dirty="0" err="1">
+              <a:rPr lang="en-US" altLang="zh-CN" sz="700" dirty="0" err="1">
                 <a:latin typeface="Consolas" panose="020B0609020204030204" pitchFamily="49" charset="0"/>
               </a:rPr>
               <a:t>printf</a:t>
             </a:r>
             <a:r>
-              <a:rPr lang="en-US" altLang="zh-CN" sz="800" dirty="0">
+              <a:rPr lang="en-US" altLang="zh-CN" sz="700" dirty="0">
                 <a:latin typeface="Consolas" panose="020B0609020204030204" pitchFamily="49" charset="0"/>
               </a:rPr>
               <a:t>("%d %d %d %d %d %d %d %d %d %d\n",</a:t>
             </a:r>
             <a:r>
-              <a:rPr lang="en-US" altLang="zh-CN" sz="800" dirty="0" err="1">
+              <a:rPr lang="en-US" altLang="zh-CN" sz="700" dirty="0" err="1">
                 <a:latin typeface="Consolas" panose="020B0609020204030204" pitchFamily="49" charset="0"/>
               </a:rPr>
               <a:t>max,min,crq,tyx,ly</a:t>
             </a:r>
             <a:r>
-              <a:rPr lang="en-US" altLang="zh-CN" sz="800" dirty="0">
+              <a:rPr lang="en-US" altLang="zh-CN" sz="700" dirty="0">
                 <a:latin typeface="Consolas" panose="020B0609020204030204" pitchFamily="49" charset="0"/>
               </a:rPr>
               <a:t>[a],</a:t>
             </a:r>
             <a:r>
-              <a:rPr lang="en-US" altLang="zh-CN" sz="800" dirty="0" err="1">
+              <a:rPr lang="en-US" altLang="zh-CN" sz="700" dirty="0" err="1">
                 <a:latin typeface="Consolas" panose="020B0609020204030204" pitchFamily="49" charset="0"/>
               </a:rPr>
               <a:t>ly</a:t>
             </a:r>
             <a:r>
-              <a:rPr lang="en-US" altLang="zh-CN" sz="800" dirty="0">
+              <a:rPr lang="en-US" altLang="zh-CN" sz="700" dirty="0">
                 <a:latin typeface="Consolas" panose="020B0609020204030204" pitchFamily="49" charset="0"/>
               </a:rPr>
               <a:t>[b],</a:t>
             </a:r>
             <a:r>
-              <a:rPr lang="en-US" altLang="zh-CN" sz="800" dirty="0" err="1">
+              <a:rPr lang="en-US" altLang="zh-CN" sz="700" dirty="0" err="1">
                 <a:latin typeface="Consolas" panose="020B0609020204030204" pitchFamily="49" charset="0"/>
               </a:rPr>
               <a:t>ly</a:t>
             </a:r>
             <a:r>
-              <a:rPr lang="en-US" altLang="zh-CN" sz="800" dirty="0">
+              <a:rPr lang="en-US" altLang="zh-CN" sz="700" dirty="0">
                 <a:latin typeface="Consolas" panose="020B0609020204030204" pitchFamily="49" charset="0"/>
               </a:rPr>
               <a:t>[0],</a:t>
             </a:r>
             <a:r>
-              <a:rPr lang="en-US" altLang="zh-CN" sz="800" dirty="0" err="1">
+              <a:rPr lang="en-US" altLang="zh-CN" sz="700" dirty="0" err="1">
                 <a:latin typeface="Consolas" panose="020B0609020204030204" pitchFamily="49" charset="0"/>
               </a:rPr>
               <a:t>ly</a:t>
             </a:r>
             <a:r>
-              <a:rPr lang="en-US" altLang="zh-CN" sz="800" dirty="0">
+              <a:rPr lang="en-US" altLang="zh-CN" sz="700" dirty="0">
                 <a:latin typeface="Consolas" panose="020B0609020204030204" pitchFamily="49" charset="0"/>
               </a:rPr>
               <a:t>[n-1],</a:t>
             </a:r>
             <a:r>
-              <a:rPr lang="en-US" altLang="zh-CN" sz="800" dirty="0" err="1">
+              <a:rPr lang="en-US" altLang="zh-CN" sz="700" dirty="0" err="1">
                 <a:latin typeface="Consolas" panose="020B0609020204030204" pitchFamily="49" charset="0"/>
               </a:rPr>
               <a:t>a,b</a:t>
             </a:r>
             <a:r>
-              <a:rPr lang="en-US" altLang="zh-CN" sz="800" dirty="0">
+              <a:rPr lang="en-US" altLang="zh-CN" sz="700" dirty="0">
                 <a:latin typeface="Consolas" panose="020B0609020204030204" pitchFamily="49" charset="0"/>
               </a:rPr>
               <a:t>);</a:t>
             </a:r>
             <a:br>
-              <a:rPr lang="en-US" altLang="zh-CN" sz="800" dirty="0">
+              <a:rPr lang="en-US" altLang="zh-CN" sz="700" dirty="0">
                 <a:latin typeface="Consolas" panose="020B0609020204030204" pitchFamily="49" charset="0"/>
               </a:rPr>
             </a:br>
             <a:r>
-              <a:rPr lang="en-US" altLang="zh-CN" sz="800" dirty="0">
+              <a:rPr lang="en-US" altLang="zh-CN" sz="700" dirty="0">
                 <a:latin typeface="Consolas" panose="020B0609020204030204" pitchFamily="49" charset="0"/>
               </a:rPr>
               <a:t>      for(j=0;j&lt;</a:t>
             </a:r>
             <a:r>
-              <a:rPr lang="en-US" altLang="zh-CN" sz="800" dirty="0" err="1">
+              <a:rPr lang="en-US" altLang="zh-CN" sz="700" dirty="0" err="1">
                 <a:latin typeface="Consolas" panose="020B0609020204030204" pitchFamily="49" charset="0"/>
               </a:rPr>
               <a:t>n;j</a:t>
             </a:r>
             <a:r>
-              <a:rPr lang="en-US" altLang="zh-CN" sz="800" dirty="0">
+              <a:rPr lang="en-US" altLang="zh-CN" sz="700" dirty="0">
                 <a:latin typeface="Consolas" panose="020B0609020204030204" pitchFamily="49" charset="0"/>
               </a:rPr>
               <a:t>++)</a:t>
             </a:r>
             <a:br>
-              <a:rPr lang="en-US" altLang="zh-CN" sz="800" dirty="0">
+              <a:rPr lang="en-US" altLang="zh-CN" sz="700" dirty="0">
                 <a:latin typeface="Consolas" panose="020B0609020204030204" pitchFamily="49" charset="0"/>
               </a:rPr>
             </a:br>
             <a:r>
-              <a:rPr lang="en-US" altLang="zh-CN" sz="800" dirty="0">
+              <a:rPr lang="en-US" altLang="zh-CN" sz="700" dirty="0">
                 <a:latin typeface="Consolas" panose="020B0609020204030204" pitchFamily="49" charset="0"/>
               </a:rPr>
               <a:t>      {</a:t>
             </a:r>
             <a:br>
-              <a:rPr lang="en-US" altLang="zh-CN" sz="800" dirty="0">
+              <a:rPr lang="en-US" altLang="zh-CN" sz="700" dirty="0">
                 <a:latin typeface="Consolas" panose="020B0609020204030204" pitchFamily="49" charset="0"/>
               </a:rPr>
             </a:br>
             <a:r>
-              <a:rPr lang="en-US" altLang="zh-CN" sz="800" dirty="0">
+              <a:rPr lang="en-US" altLang="zh-CN" sz="700" dirty="0">
                 <a:latin typeface="Consolas" panose="020B0609020204030204" pitchFamily="49" charset="0"/>
               </a:rPr>
               <a:t>    if(j==n-1)</a:t>
             </a:r>
             <a:br>
-              <a:rPr lang="en-US" altLang="zh-CN" sz="800" dirty="0">
+              <a:rPr lang="en-US" altLang="zh-CN" sz="700" dirty="0">
                 <a:latin typeface="Consolas" panose="020B0609020204030204" pitchFamily="49" charset="0"/>
               </a:rPr>
             </a:br>
             <a:r>
-              <a:rPr lang="en-US" altLang="zh-CN" sz="800" dirty="0">
+              <a:rPr lang="en-US" altLang="zh-CN" sz="700" dirty="0">
                 <a:latin typeface="Consolas" panose="020B0609020204030204" pitchFamily="49" charset="0"/>
               </a:rPr>
               <a:t>    </a:t>
             </a:r>
             <a:r>
-              <a:rPr lang="en-US" altLang="zh-CN" sz="800" dirty="0" err="1">
+              <a:rPr lang="en-US" altLang="zh-CN" sz="700" dirty="0" err="1">
                 <a:latin typeface="Consolas" panose="020B0609020204030204" pitchFamily="49" charset="0"/>
               </a:rPr>
               <a:t>printf</a:t>
             </a:r>
             <a:r>
-              <a:rPr lang="en-US" altLang="zh-CN" sz="800" dirty="0">
+              <a:rPr lang="en-US" altLang="zh-CN" sz="700" dirty="0">
                 <a:latin typeface="Consolas" panose="020B0609020204030204" pitchFamily="49" charset="0"/>
               </a:rPr>
               <a:t>("%d\n",</a:t>
             </a:r>
             <a:r>
-              <a:rPr lang="en-US" altLang="zh-CN" sz="800" dirty="0" err="1">
+              <a:rPr lang="en-US" altLang="zh-CN" sz="700" dirty="0" err="1">
                 <a:latin typeface="Consolas" panose="020B0609020204030204" pitchFamily="49" charset="0"/>
               </a:rPr>
               <a:t>ly</a:t>
             </a:r>
             <a:r>
-              <a:rPr lang="en-US" altLang="zh-CN" sz="800" dirty="0">
+              <a:rPr lang="en-US" altLang="zh-CN" sz="700" dirty="0">
                 <a:latin typeface="Consolas" panose="020B0609020204030204" pitchFamily="49" charset="0"/>
               </a:rPr>
               <a:t>[j]);</a:t>
             </a:r>
             <a:br>
-              <a:rPr lang="en-US" altLang="zh-CN" sz="800" dirty="0">
+              <a:rPr lang="en-US" altLang="zh-CN" sz="700" dirty="0">
                 <a:latin typeface="Consolas" panose="020B0609020204030204" pitchFamily="49" charset="0"/>
               </a:rPr>
             </a:br>
             <a:r>
-              <a:rPr lang="en-US" altLang="zh-CN" sz="800" dirty="0">
+              <a:rPr lang="en-US" altLang="zh-CN" sz="700" dirty="0">
                 <a:latin typeface="Consolas" panose="020B0609020204030204" pitchFamily="49" charset="0"/>
               </a:rPr>
               <a:t>else</a:t>
             </a:r>
             <a:br>
-              <a:rPr lang="en-US" altLang="zh-CN" sz="800" dirty="0">
+              <a:rPr lang="en-US" altLang="zh-CN" sz="700" dirty="0">
                 <a:latin typeface="Consolas" panose="020B0609020204030204" pitchFamily="49" charset="0"/>
               </a:rPr>
             </a:br>
             <a:r>
-              <a:rPr lang="en-US" altLang="zh-CN" sz="800" dirty="0" err="1">
+              <a:rPr lang="en-US" altLang="zh-CN" sz="700" dirty="0" err="1">
                 <a:latin typeface="Consolas" panose="020B0609020204030204" pitchFamily="49" charset="0"/>
               </a:rPr>
               <a:t>printf</a:t>
             </a:r>
             <a:r>
-              <a:rPr lang="en-US" altLang="zh-CN" sz="800" dirty="0">
+              <a:rPr lang="en-US" altLang="zh-CN" sz="700" dirty="0">
                 <a:latin typeface="Consolas" panose="020B0609020204030204" pitchFamily="49" charset="0"/>
               </a:rPr>
               <a:t>("%d ",</a:t>
             </a:r>
             <a:r>
-              <a:rPr lang="en-US" altLang="zh-CN" sz="800" dirty="0" err="1">
+              <a:rPr lang="en-US" altLang="zh-CN" sz="700" dirty="0" err="1">
                 <a:latin typeface="Consolas" panose="020B0609020204030204" pitchFamily="49" charset="0"/>
               </a:rPr>
               <a:t>ly</a:t>
             </a:r>
             <a:r>
-              <a:rPr lang="en-US" altLang="zh-CN" sz="800" dirty="0">
+              <a:rPr lang="en-US" altLang="zh-CN" sz="700" dirty="0">
                 <a:latin typeface="Consolas" panose="020B0609020204030204" pitchFamily="49" charset="0"/>
               </a:rPr>
               <a:t>[j]);</a:t>
             </a:r>
             <a:br>
-              <a:rPr lang="en-US" altLang="zh-CN" sz="800" dirty="0">
+              <a:rPr lang="en-US" altLang="zh-CN" sz="700" dirty="0">
                 <a:latin typeface="Consolas" panose="020B0609020204030204" pitchFamily="49" charset="0"/>
               </a:rPr>
             </a:br>
             <a:r>
-              <a:rPr lang="en-US" altLang="zh-CN" sz="800" dirty="0">
+              <a:rPr lang="en-US" altLang="zh-CN" sz="700" dirty="0">
                 <a:latin typeface="Consolas" panose="020B0609020204030204" pitchFamily="49" charset="0"/>
               </a:rPr>
               <a:t>     }</a:t>
             </a:r>
             <a:br>
-              <a:rPr lang="en-US" altLang="zh-CN" sz="800" dirty="0">
+              <a:rPr lang="en-US" altLang="zh-CN" sz="700" dirty="0">
                 <a:latin typeface="Consolas" panose="020B0609020204030204" pitchFamily="49" charset="0"/>
               </a:rPr>
             </a:br>
             <a:r>
-              <a:rPr lang="en-US" altLang="zh-CN" sz="800" dirty="0">
+              <a:rPr lang="en-US" altLang="zh-CN" sz="700" dirty="0">
                 <a:latin typeface="Consolas" panose="020B0609020204030204" pitchFamily="49" charset="0"/>
               </a:rPr>
               <a:t>return 0;</a:t>
             </a:r>
             <a:br>
-              <a:rPr lang="en-US" altLang="zh-CN" sz="800" dirty="0">
+              <a:rPr lang="en-US" altLang="zh-CN" sz="700" dirty="0">
                 <a:latin typeface="Consolas" panose="020B0609020204030204" pitchFamily="49" charset="0"/>
               </a:rPr>
             </a:br>
             <a:r>
-              <a:rPr lang="en-US" altLang="zh-CN" sz="800" dirty="0">
+              <a:rPr lang="en-US" altLang="zh-CN" sz="700" dirty="0">
                 <a:latin typeface="Consolas" panose="020B0609020204030204" pitchFamily="49" charset="0"/>
               </a:rPr>
               <a:t>}</a:t>
             </a:r>
-            <a:endParaRPr lang="zh-CN" altLang="en-US" sz="800" dirty="0">
+            <a:endParaRPr lang="zh-CN" altLang="en-US" sz="700" dirty="0">
               <a:latin typeface="Consolas" pitchFamily="49" charset="0"/>
             </a:endParaRPr>
           </a:p>
@@ -24027,7 +24010,7 @@
             <a:fld id="{05A93482-8E69-40F7-BCAD-5662A6CADB27}" type="datetime4">
               <a:rPr lang="en-US" smtClean="0"/>
               <a:pPr/>
-              <a:t>February 10, 2018</a:t>
+              <a:t>June 20, 2018</a:t>
             </a:fld>
             <a:endParaRPr lang="en-US"/>
           </a:p>
@@ -24067,6 +24050,13 @@
   <p:clrMapOvr>
     <a:masterClrMapping/>
   </p:clrMapOvr>
+  <p:timing>
+    <p:tnLst>
+      <p:par>
+        <p:cTn id="1" dur="indefinite" restart="never" nodeType="tmRoot"/>
+      </p:par>
+    </p:tnLst>
+  </p:timing>
 </p:sld>
 </file>
 
@@ -24099,8 +24089,8 @@
         </p:nvSpPr>
         <p:spPr>
           <a:xfrm>
-            <a:off x="1187624" y="1177313"/>
-            <a:ext cx="7024744" cy="2812707"/>
+            <a:off x="1187624" y="1059582"/>
+            <a:ext cx="7024744" cy="2531436"/>
           </a:xfrm>
         </p:spPr>
         <p:txBody>
@@ -24146,7 +24136,7 @@
             <a:fld id="{05A93482-8E69-40F7-BCAD-5662A6CADB27}" type="datetime4">
               <a:rPr lang="en-US" smtClean="0"/>
               <a:pPr/>
-              <a:t>February 10, 2018</a:t>
+              <a:t>June 20, 2018</a:t>
             </a:fld>
             <a:endParaRPr lang="en-US"/>
           </a:p>
@@ -24252,7 +24242,7 @@
         <p:spPr/>
         <p:txBody>
           <a:bodyPr>
-            <a:normAutofit/>
+            <a:normAutofit lnSpcReduction="10000"/>
           </a:bodyPr>
           <a:lstStyle/>
           <a:p>
@@ -24360,7 +24350,7 @@
             <a:fld id="{05A93482-8E69-40F7-BCAD-5662A6CADB27}" type="datetime4">
               <a:rPr lang="en-US" smtClean="0"/>
               <a:pPr/>
-              <a:t>February 10, 2018</a:t>
+              <a:t>June 20, 2018</a:t>
             </a:fld>
             <a:endParaRPr lang="en-US"/>
           </a:p>
@@ -24473,7 +24463,7 @@
         <p:spPr/>
         <p:txBody>
           <a:bodyPr>
-            <a:normAutofit lnSpcReduction="10000"/>
+            <a:normAutofit fontScale="92500" lnSpcReduction="10000"/>
           </a:bodyPr>
           <a:lstStyle/>
           <a:p>
@@ -24558,7 +24548,7 @@
             <a:fld id="{05A93482-8E69-40F7-BCAD-5662A6CADB27}" type="datetime4">
               <a:rPr lang="en-US" smtClean="0"/>
               <a:pPr/>
-              <a:t>February 10, 2018</a:t>
+              <a:t>June 20, 2018</a:t>
             </a:fld>
             <a:endParaRPr lang="en-US"/>
           </a:p>
@@ -24637,8 +24627,8 @@
         </p:nvSpPr>
         <p:spPr>
           <a:xfrm>
-            <a:off x="611560" y="0"/>
-            <a:ext cx="7024744" cy="952500"/>
+            <a:off x="467544" y="1779662"/>
+            <a:ext cx="2304256" cy="771550"/>
           </a:xfrm>
         </p:spPr>
         <p:txBody>
@@ -24671,7 +24661,7 @@
             <a:fld id="{05A93482-8E69-40F7-BCAD-5662A6CADB27}" type="datetime4">
               <a:rPr lang="en-US" smtClean="0"/>
               <a:pPr/>
-              <a:t>February 10, 2018</a:t>
+              <a:t>June 20, 2018</a:t>
             </a:fld>
             <a:endParaRPr lang="en-US"/>
           </a:p>
@@ -24709,8 +24699,8 @@
         </p:nvSpPr>
         <p:spPr>
           <a:xfrm>
-            <a:off x="980692" y="1096316"/>
-            <a:ext cx="6552728" cy="4616648"/>
+            <a:off x="2339752" y="627534"/>
+            <a:ext cx="6471628" cy="4293483"/>
           </a:xfrm>
           <a:prstGeom prst="rect">
             <a:avLst/>
@@ -24884,14 +24874,19 @@
           </a:p>
           <a:p>
             <a:r>
-              <a:rPr lang="en-US" altLang="zh-CN" sz="1050" dirty="0">
+              <a:rPr lang="en-US" altLang="zh-CN" sz="1050">
                 <a:latin typeface="Consolas" panose="020B0609020204030204" pitchFamily="49" charset="0"/>
                 <a:cs typeface="Consolas" panose="020B0609020204030204" pitchFamily="49" charset="0"/>
               </a:rPr>
-              <a:t>                {</a:t>
-            </a:r>
-          </a:p>
-          <a:p>
+              <a:t>                </a:t>
+            </a:r>
+            <a:r>
+              <a:rPr lang="en-US" altLang="zh-CN" sz="1050" smtClean="0">
+                <a:latin typeface="Consolas" panose="020B0609020204030204" pitchFamily="49" charset="0"/>
+                <a:cs typeface="Consolas" panose="020B0609020204030204" pitchFamily="49" charset="0"/>
+              </a:rPr>
+              <a:t>{</a:t>
+            </a:r>
             <a:endParaRPr lang="en-US" altLang="zh-CN" sz="1050" dirty="0">
               <a:latin typeface="Consolas" panose="020B0609020204030204" pitchFamily="49" charset="0"/>
               <a:cs typeface="Consolas" panose="020B0609020204030204" pitchFamily="49" charset="0"/>
@@ -25110,14 +25105,14 @@
               <a:t>    </a:t>
             </a:r>
             <a:r>
-              <a:rPr lang="en-US" altLang="zh-CN" sz="1050" dirty="0" err="1">
+              <a:rPr lang="en-US" altLang="zh-CN" sz="1050" err="1">
                 <a:latin typeface="Consolas" panose="020B0609020204030204" pitchFamily="49" charset="0"/>
                 <a:cs typeface="Consolas" panose="020B0609020204030204" pitchFamily="49" charset="0"/>
               </a:rPr>
               <a:t>cal</a:t>
             </a:r>
             <a:r>
-              <a:rPr lang="en-US" altLang="zh-CN" sz="1050" dirty="0">
+              <a:rPr lang="en-US" altLang="zh-CN" sz="1050" smtClean="0">
                 <a:latin typeface="Consolas" panose="020B0609020204030204" pitchFamily="49" charset="0"/>
                 <a:cs typeface="Consolas" panose="020B0609020204030204" pitchFamily="49" charset="0"/>
               </a:rPr>
@@ -25126,21 +25121,16 @@
           </a:p>
           <a:p>
             <a:r>
-              <a:rPr lang="en-US" altLang="zh-CN" sz="1050" dirty="0">
+              <a:rPr lang="en-US" altLang="zh-CN" sz="1050" smtClean="0">
                 <a:latin typeface="Consolas" panose="020B0609020204030204" pitchFamily="49" charset="0"/>
                 <a:cs typeface="Consolas" panose="020B0609020204030204" pitchFamily="49" charset="0"/>
               </a:rPr>
-              <a:t>    return 0;</a:t>
-            </a:r>
-          </a:p>
-          <a:p>
-            <a:r>
-              <a:rPr lang="en-US" altLang="zh-CN" sz="1050" dirty="0">
-                <a:latin typeface="Consolas" panose="020B0609020204030204" pitchFamily="49" charset="0"/>
-                <a:cs typeface="Consolas" panose="020B0609020204030204" pitchFamily="49" charset="0"/>
-              </a:rPr>
               <a:t>}</a:t>
             </a:r>
+            <a:endParaRPr lang="en-US" altLang="zh-CN" sz="1050" dirty="0">
+              <a:latin typeface="Consolas" panose="020B0609020204030204" pitchFamily="49" charset="0"/>
+              <a:cs typeface="Consolas" panose="020B0609020204030204" pitchFamily="49" charset="0"/>
+            </a:endParaRPr>
           </a:p>
           <a:p>
             <a:endParaRPr lang="zh-CN" altLang="en-US" sz="1050" dirty="0">
@@ -25226,12 +25216,14 @@
         </p:nvSpPr>
         <p:spPr>
           <a:xfrm>
-            <a:off x="1043608" y="1921396"/>
-            <a:ext cx="6777317" cy="2924148"/>
+            <a:off x="1043609" y="1729256"/>
+            <a:ext cx="6777317" cy="2631733"/>
           </a:xfrm>
         </p:spPr>
         <p:txBody>
-          <a:bodyPr/>
+          <a:bodyPr>
+            <a:normAutofit lnSpcReduction="10000"/>
+          </a:bodyPr>
           <a:lstStyle/>
           <a:p>
             <a:r>
@@ -25417,7 +25409,7 @@
             <a:fld id="{05A93482-8E69-40F7-BCAD-5662A6CADB27}" type="datetime4">
               <a:rPr lang="en-US" smtClean="0"/>
               <a:pPr/>
-              <a:t>February 10, 2018</a:t>
+              <a:t>June 20, 2018</a:t>
             </a:fld>
             <a:endParaRPr lang="en-US"/>
           </a:p>
@@ -25502,7 +25494,7 @@
             <a:fld id="{05A93482-8E69-40F7-BCAD-5662A6CADB27}" type="datetime4">
               <a:rPr lang="en-US" smtClean="0"/>
               <a:pPr/>
-              <a:t>February 10, 2018</a:t>
+              <a:t>June 20, 2018</a:t>
             </a:fld>
             <a:endParaRPr lang="en-US"/>
           </a:p>
@@ -25555,8 +25547,8 @@
         </p:blipFill>
         <p:spPr bwMode="auto">
           <a:xfrm>
-            <a:off x="1043608" y="625251"/>
-            <a:ext cx="6192688" cy="4739511"/>
+            <a:off x="1043608" y="562726"/>
+            <a:ext cx="6192688" cy="4265560"/>
           </a:xfrm>
           <a:prstGeom prst="rect">
             <a:avLst/>
@@ -25635,8 +25627,8 @@
         </p:nvSpPr>
         <p:spPr>
           <a:xfrm>
-            <a:off x="971600" y="841276"/>
-            <a:ext cx="7024744" cy="952500"/>
+            <a:off x="971600" y="757148"/>
+            <a:ext cx="7024744" cy="857250"/>
           </a:xfrm>
         </p:spPr>
         <p:txBody>
@@ -25663,8 +25655,8 @@
         </p:nvSpPr>
         <p:spPr>
           <a:xfrm>
-            <a:off x="971600" y="2425452"/>
-            <a:ext cx="6777317" cy="2924148"/>
+            <a:off x="971601" y="2182907"/>
+            <a:ext cx="6777317" cy="2631733"/>
           </a:xfrm>
         </p:spPr>
         <p:txBody>
@@ -25753,7 +25745,7 @@
             <a:fld id="{05A93482-8E69-40F7-BCAD-5662A6CADB27}" type="datetime4">
               <a:rPr lang="en-US" smtClean="0"/>
               <a:pPr/>
-              <a:t>February 10, 2018</a:t>
+              <a:t>June 20, 2018</a:t>
             </a:fld>
             <a:endParaRPr lang="en-US"/>
           </a:p>
@@ -25859,13 +25851,13 @@
         </p:nvSpPr>
         <p:spPr>
           <a:xfrm>
-            <a:off x="1115616" y="1921396"/>
-            <a:ext cx="6777317" cy="2924148"/>
+            <a:off x="1115616" y="1729256"/>
+            <a:ext cx="6777317" cy="2631733"/>
           </a:xfrm>
         </p:spPr>
         <p:txBody>
           <a:bodyPr>
-            <a:normAutofit fontScale="85000" lnSpcReduction="20000"/>
+            <a:normAutofit fontScale="77500" lnSpcReduction="20000"/>
           </a:bodyPr>
           <a:lstStyle/>
           <a:p>
@@ -25994,7 +25986,7 @@
             <a:fld id="{05A93482-8E69-40F7-BCAD-5662A6CADB27}" type="datetime4">
               <a:rPr lang="en-US" smtClean="0"/>
               <a:pPr/>
-              <a:t>February 10, 2018</a:t>
+              <a:t>June 20, 2018</a:t>
             </a:fld>
             <a:endParaRPr lang="en-US"/>
           </a:p>
